--- a/Documents/3조 GROUPPL 중간발표.pptx
+++ b/Documents/3조 GROUPPL 중간발표.pptx
@@ -117,6 +117,22 @@
       </a:defRPr>
     </a:lvl9pPr>
   </p:defaultTextStyle>
+  <p:extLst>
+    <p:ext uri="{EFAFB233-063F-42B5-8137-9DF3F51BA10A}">
+      <p15:sldGuideLst xmlns:p15="http://schemas.microsoft.com/office/powerpoint/2012/main">
+        <p15:guide id="1" orient="horz" pos="2160">
+          <p15:clr>
+            <a:srgbClr val="A4A3A4"/>
+          </p15:clr>
+        </p15:guide>
+        <p15:guide id="2" pos="2880">
+          <p15:clr>
+            <a:srgbClr val="A4A3A4"/>
+          </p15:clr>
+        </p15:guide>
+      </p15:sldGuideLst>
+    </p:ext>
+  </p:extLst>
 </p:presentation>
 </file>
 
@@ -158,10 +174,9 @@
           <a:lstStyle/>
           <a:p>
             <a:r>
-              <a:rPr lang="ko-KR" altLang="en-US" smtClean="0"/>
+              <a:rPr lang="ko-KR" altLang="en-US"/>
               <a:t>마스터 제목 스타일 편집</a:t>
             </a:r>
-            <a:endParaRPr lang="ko-KR" altLang="en-US"/>
           </a:p>
         </p:txBody>
       </p:sp>
@@ -277,10 +292,9 @@
           </a:lstStyle>
           <a:p>
             <a:r>
-              <a:rPr lang="ko-KR" altLang="en-US" smtClean="0"/>
+              <a:rPr lang="ko-KR" altLang="en-US"/>
               <a:t>마스터 부제목 스타일 편집</a:t>
             </a:r>
-            <a:endParaRPr lang="ko-KR" altLang="en-US"/>
           </a:p>
         </p:txBody>
       </p:sp>
@@ -395,10 +409,9 @@
           <a:lstStyle/>
           <a:p>
             <a:r>
-              <a:rPr lang="ko-KR" altLang="en-US" smtClean="0"/>
+              <a:rPr lang="ko-KR" altLang="en-US"/>
               <a:t>마스터 제목 스타일 편집</a:t>
             </a:r>
-            <a:endParaRPr lang="ko-KR" altLang="en-US"/>
           </a:p>
         </p:txBody>
       </p:sp>
@@ -419,38 +432,37 @@
           <a:p>
             <a:pPr lvl="0"/>
             <a:r>
-              <a:rPr lang="ko-KR" altLang="en-US" smtClean="0"/>
+              <a:rPr lang="ko-KR" altLang="en-US"/>
               <a:t>마스터 텍스트 스타일을 편집합니다</a:t>
             </a:r>
           </a:p>
           <a:p>
             <a:pPr lvl="1"/>
             <a:r>
-              <a:rPr lang="ko-KR" altLang="en-US" smtClean="0"/>
+              <a:rPr lang="ko-KR" altLang="en-US"/>
               <a:t>둘째 수준</a:t>
             </a:r>
           </a:p>
           <a:p>
             <a:pPr lvl="2"/>
             <a:r>
-              <a:rPr lang="ko-KR" altLang="en-US" smtClean="0"/>
+              <a:rPr lang="ko-KR" altLang="en-US"/>
               <a:t>셋째 수준</a:t>
             </a:r>
           </a:p>
           <a:p>
             <a:pPr lvl="3"/>
             <a:r>
-              <a:rPr lang="ko-KR" altLang="en-US" smtClean="0"/>
+              <a:rPr lang="ko-KR" altLang="en-US"/>
               <a:t>넷째 수준</a:t>
             </a:r>
           </a:p>
           <a:p>
             <a:pPr lvl="4"/>
             <a:r>
-              <a:rPr lang="ko-KR" altLang="en-US" smtClean="0"/>
+              <a:rPr lang="ko-KR" altLang="en-US"/>
               <a:t>다섯째 수준</a:t>
             </a:r>
-            <a:endParaRPr lang="ko-KR" altLang="en-US"/>
           </a:p>
         </p:txBody>
       </p:sp>
@@ -570,10 +582,9 @@
           <a:lstStyle/>
           <a:p>
             <a:r>
-              <a:rPr lang="ko-KR" altLang="en-US" smtClean="0"/>
+              <a:rPr lang="ko-KR" altLang="en-US"/>
               <a:t>마스터 제목 스타일 편집</a:t>
             </a:r>
-            <a:endParaRPr lang="ko-KR" altLang="en-US"/>
           </a:p>
         </p:txBody>
       </p:sp>
@@ -599,38 +610,37 @@
           <a:p>
             <a:pPr lvl="0"/>
             <a:r>
-              <a:rPr lang="ko-KR" altLang="en-US" smtClean="0"/>
+              <a:rPr lang="ko-KR" altLang="en-US"/>
               <a:t>마스터 텍스트 스타일을 편집합니다</a:t>
             </a:r>
           </a:p>
           <a:p>
             <a:pPr lvl="1"/>
             <a:r>
-              <a:rPr lang="ko-KR" altLang="en-US" smtClean="0"/>
+              <a:rPr lang="ko-KR" altLang="en-US"/>
               <a:t>둘째 수준</a:t>
             </a:r>
           </a:p>
           <a:p>
             <a:pPr lvl="2"/>
             <a:r>
-              <a:rPr lang="ko-KR" altLang="en-US" smtClean="0"/>
+              <a:rPr lang="ko-KR" altLang="en-US"/>
               <a:t>셋째 수준</a:t>
             </a:r>
           </a:p>
           <a:p>
             <a:pPr lvl="3"/>
             <a:r>
-              <a:rPr lang="ko-KR" altLang="en-US" smtClean="0"/>
+              <a:rPr lang="ko-KR" altLang="en-US"/>
               <a:t>넷째 수준</a:t>
             </a:r>
           </a:p>
           <a:p>
             <a:pPr lvl="4"/>
             <a:r>
-              <a:rPr lang="ko-KR" altLang="en-US" smtClean="0"/>
+              <a:rPr lang="ko-KR" altLang="en-US"/>
               <a:t>다섯째 수준</a:t>
             </a:r>
-            <a:endParaRPr lang="ko-KR" altLang="en-US"/>
           </a:p>
         </p:txBody>
       </p:sp>
@@ -745,10 +755,9 @@
           <a:lstStyle/>
           <a:p>
             <a:r>
-              <a:rPr lang="ko-KR" altLang="en-US" smtClean="0"/>
+              <a:rPr lang="ko-KR" altLang="en-US"/>
               <a:t>마스터 제목 스타일 편집</a:t>
             </a:r>
-            <a:endParaRPr lang="ko-KR" altLang="en-US"/>
           </a:p>
         </p:txBody>
       </p:sp>
@@ -769,38 +778,37 @@
           <a:p>
             <a:pPr lvl="0"/>
             <a:r>
-              <a:rPr lang="ko-KR" altLang="en-US" smtClean="0"/>
+              <a:rPr lang="ko-KR" altLang="en-US"/>
               <a:t>마스터 텍스트 스타일을 편집합니다</a:t>
             </a:r>
           </a:p>
           <a:p>
             <a:pPr lvl="1"/>
             <a:r>
-              <a:rPr lang="ko-KR" altLang="en-US" smtClean="0"/>
+              <a:rPr lang="ko-KR" altLang="en-US"/>
               <a:t>둘째 수준</a:t>
             </a:r>
           </a:p>
           <a:p>
             <a:pPr lvl="2"/>
             <a:r>
-              <a:rPr lang="ko-KR" altLang="en-US" smtClean="0"/>
+              <a:rPr lang="ko-KR" altLang="en-US"/>
               <a:t>셋째 수준</a:t>
             </a:r>
           </a:p>
           <a:p>
             <a:pPr lvl="3"/>
             <a:r>
-              <a:rPr lang="ko-KR" altLang="en-US" smtClean="0"/>
+              <a:rPr lang="ko-KR" altLang="en-US"/>
               <a:t>넷째 수준</a:t>
             </a:r>
           </a:p>
           <a:p>
             <a:pPr lvl="4"/>
             <a:r>
-              <a:rPr lang="ko-KR" altLang="en-US" smtClean="0"/>
+              <a:rPr lang="ko-KR" altLang="en-US"/>
               <a:t>다섯째 수준</a:t>
             </a:r>
-            <a:endParaRPr lang="ko-KR" altLang="en-US"/>
           </a:p>
         </p:txBody>
       </p:sp>
@@ -924,10 +932,9 @@
           </a:lstStyle>
           <a:p>
             <a:r>
-              <a:rPr lang="ko-KR" altLang="en-US" smtClean="0"/>
+              <a:rPr lang="ko-KR" altLang="en-US"/>
               <a:t>마스터 제목 스타일 편집</a:t>
             </a:r>
-            <a:endParaRPr lang="ko-KR" altLang="en-US"/>
           </a:p>
         </p:txBody>
       </p:sp>
@@ -1044,7 +1051,7 @@
           <a:p>
             <a:pPr lvl="0"/>
             <a:r>
-              <a:rPr lang="ko-KR" altLang="en-US" smtClean="0"/>
+              <a:rPr lang="ko-KR" altLang="en-US"/>
               <a:t>마스터 텍스트 스타일을 편집합니다</a:t>
             </a:r>
           </a:p>
@@ -1161,10 +1168,9 @@
           <a:lstStyle/>
           <a:p>
             <a:r>
-              <a:rPr lang="ko-KR" altLang="en-US" smtClean="0"/>
+              <a:rPr lang="ko-KR" altLang="en-US"/>
               <a:t>마스터 제목 스타일 편집</a:t>
             </a:r>
-            <a:endParaRPr lang="ko-KR" altLang="en-US"/>
           </a:p>
         </p:txBody>
       </p:sp>
@@ -1218,38 +1224,37 @@
           <a:p>
             <a:pPr lvl="0"/>
             <a:r>
-              <a:rPr lang="ko-KR" altLang="en-US" smtClean="0"/>
+              <a:rPr lang="ko-KR" altLang="en-US"/>
               <a:t>마스터 텍스트 스타일을 편집합니다</a:t>
             </a:r>
           </a:p>
           <a:p>
             <a:pPr lvl="1"/>
             <a:r>
-              <a:rPr lang="ko-KR" altLang="en-US" smtClean="0"/>
+              <a:rPr lang="ko-KR" altLang="en-US"/>
               <a:t>둘째 수준</a:t>
             </a:r>
           </a:p>
           <a:p>
             <a:pPr lvl="2"/>
             <a:r>
-              <a:rPr lang="ko-KR" altLang="en-US" smtClean="0"/>
+              <a:rPr lang="ko-KR" altLang="en-US"/>
               <a:t>셋째 수준</a:t>
             </a:r>
           </a:p>
           <a:p>
             <a:pPr lvl="3"/>
             <a:r>
-              <a:rPr lang="ko-KR" altLang="en-US" smtClean="0"/>
+              <a:rPr lang="ko-KR" altLang="en-US"/>
               <a:t>넷째 수준</a:t>
             </a:r>
           </a:p>
           <a:p>
             <a:pPr lvl="4"/>
             <a:r>
-              <a:rPr lang="ko-KR" altLang="en-US" smtClean="0"/>
+              <a:rPr lang="ko-KR" altLang="en-US"/>
               <a:t>다섯째 수준</a:t>
             </a:r>
-            <a:endParaRPr lang="ko-KR" altLang="en-US"/>
           </a:p>
         </p:txBody>
       </p:sp>
@@ -1303,38 +1308,37 @@
           <a:p>
             <a:pPr lvl="0"/>
             <a:r>
-              <a:rPr lang="ko-KR" altLang="en-US" smtClean="0"/>
+              <a:rPr lang="ko-KR" altLang="en-US"/>
               <a:t>마스터 텍스트 스타일을 편집합니다</a:t>
             </a:r>
           </a:p>
           <a:p>
             <a:pPr lvl="1"/>
             <a:r>
-              <a:rPr lang="ko-KR" altLang="en-US" smtClean="0"/>
+              <a:rPr lang="ko-KR" altLang="en-US"/>
               <a:t>둘째 수준</a:t>
             </a:r>
           </a:p>
           <a:p>
             <a:pPr lvl="2"/>
             <a:r>
-              <a:rPr lang="ko-KR" altLang="en-US" smtClean="0"/>
+              <a:rPr lang="ko-KR" altLang="en-US"/>
               <a:t>셋째 수준</a:t>
             </a:r>
           </a:p>
           <a:p>
             <a:pPr lvl="3"/>
             <a:r>
-              <a:rPr lang="ko-KR" altLang="en-US" smtClean="0"/>
+              <a:rPr lang="ko-KR" altLang="en-US"/>
               <a:t>넷째 수준</a:t>
             </a:r>
           </a:p>
           <a:p>
             <a:pPr lvl="4"/>
             <a:r>
-              <a:rPr lang="ko-KR" altLang="en-US" smtClean="0"/>
+              <a:rPr lang="ko-KR" altLang="en-US"/>
               <a:t>다섯째 수준</a:t>
             </a:r>
-            <a:endParaRPr lang="ko-KR" altLang="en-US"/>
           </a:p>
         </p:txBody>
       </p:sp>
@@ -1453,10 +1457,9 @@
           </a:lstStyle>
           <a:p>
             <a:r>
-              <a:rPr lang="ko-KR" altLang="en-US" smtClean="0"/>
+              <a:rPr lang="ko-KR" altLang="en-US"/>
               <a:t>마스터 제목 스타일 편집</a:t>
             </a:r>
-            <a:endParaRPr lang="ko-KR" altLang="en-US"/>
           </a:p>
         </p:txBody>
       </p:sp>
@@ -1519,7 +1522,7 @@
           <a:p>
             <a:pPr lvl="0"/>
             <a:r>
-              <a:rPr lang="ko-KR" altLang="en-US" smtClean="0"/>
+              <a:rPr lang="ko-KR" altLang="en-US"/>
               <a:t>마스터 텍스트 스타일을 편집합니다</a:t>
             </a:r>
           </a:p>
@@ -1575,38 +1578,37 @@
           <a:p>
             <a:pPr lvl="0"/>
             <a:r>
-              <a:rPr lang="ko-KR" altLang="en-US" smtClean="0"/>
+              <a:rPr lang="ko-KR" altLang="en-US"/>
               <a:t>마스터 텍스트 스타일을 편집합니다</a:t>
             </a:r>
           </a:p>
           <a:p>
             <a:pPr lvl="1"/>
             <a:r>
-              <a:rPr lang="ko-KR" altLang="en-US" smtClean="0"/>
+              <a:rPr lang="ko-KR" altLang="en-US"/>
               <a:t>둘째 수준</a:t>
             </a:r>
           </a:p>
           <a:p>
             <a:pPr lvl="2"/>
             <a:r>
-              <a:rPr lang="ko-KR" altLang="en-US" smtClean="0"/>
+              <a:rPr lang="ko-KR" altLang="en-US"/>
               <a:t>셋째 수준</a:t>
             </a:r>
           </a:p>
           <a:p>
             <a:pPr lvl="3"/>
             <a:r>
-              <a:rPr lang="ko-KR" altLang="en-US" smtClean="0"/>
+              <a:rPr lang="ko-KR" altLang="en-US"/>
               <a:t>넷째 수준</a:t>
             </a:r>
           </a:p>
           <a:p>
             <a:pPr lvl="4"/>
             <a:r>
-              <a:rPr lang="ko-KR" altLang="en-US" smtClean="0"/>
+              <a:rPr lang="ko-KR" altLang="en-US"/>
               <a:t>다섯째 수준</a:t>
             </a:r>
-            <a:endParaRPr lang="ko-KR" altLang="en-US"/>
           </a:p>
         </p:txBody>
       </p:sp>
@@ -1669,7 +1671,7 @@
           <a:p>
             <a:pPr lvl="0"/>
             <a:r>
-              <a:rPr lang="ko-KR" altLang="en-US" smtClean="0"/>
+              <a:rPr lang="ko-KR" altLang="en-US"/>
               <a:t>마스터 텍스트 스타일을 편집합니다</a:t>
             </a:r>
           </a:p>
@@ -1725,38 +1727,37 @@
           <a:p>
             <a:pPr lvl="0"/>
             <a:r>
-              <a:rPr lang="ko-KR" altLang="en-US" smtClean="0"/>
+              <a:rPr lang="ko-KR" altLang="en-US"/>
               <a:t>마스터 텍스트 스타일을 편집합니다</a:t>
             </a:r>
           </a:p>
           <a:p>
             <a:pPr lvl="1"/>
             <a:r>
-              <a:rPr lang="ko-KR" altLang="en-US" smtClean="0"/>
+              <a:rPr lang="ko-KR" altLang="en-US"/>
               <a:t>둘째 수준</a:t>
             </a:r>
           </a:p>
           <a:p>
             <a:pPr lvl="2"/>
             <a:r>
-              <a:rPr lang="ko-KR" altLang="en-US" smtClean="0"/>
+              <a:rPr lang="ko-KR" altLang="en-US"/>
               <a:t>셋째 수준</a:t>
             </a:r>
           </a:p>
           <a:p>
             <a:pPr lvl="3"/>
             <a:r>
-              <a:rPr lang="ko-KR" altLang="en-US" smtClean="0"/>
+              <a:rPr lang="ko-KR" altLang="en-US"/>
               <a:t>넷째 수준</a:t>
             </a:r>
           </a:p>
           <a:p>
             <a:pPr lvl="4"/>
             <a:r>
-              <a:rPr lang="ko-KR" altLang="en-US" smtClean="0"/>
+              <a:rPr lang="ko-KR" altLang="en-US"/>
               <a:t>다섯째 수준</a:t>
             </a:r>
-            <a:endParaRPr lang="ko-KR" altLang="en-US"/>
           </a:p>
         </p:txBody>
       </p:sp>
@@ -1871,10 +1872,9 @@
           <a:lstStyle/>
           <a:p>
             <a:r>
-              <a:rPr lang="ko-KR" altLang="en-US" smtClean="0"/>
+              <a:rPr lang="ko-KR" altLang="en-US"/>
               <a:t>마스터 제목 스타일 편집</a:t>
             </a:r>
-            <a:endParaRPr lang="ko-KR" altLang="en-US"/>
           </a:p>
         </p:txBody>
       </p:sp>
@@ -2093,10 +2093,9 @@
           </a:lstStyle>
           <a:p>
             <a:r>
-              <a:rPr lang="ko-KR" altLang="en-US" smtClean="0"/>
+              <a:rPr lang="ko-KR" altLang="en-US"/>
               <a:t>마스터 제목 스타일 편집</a:t>
             </a:r>
-            <a:endParaRPr lang="ko-KR" altLang="en-US"/>
           </a:p>
         </p:txBody>
       </p:sp>
@@ -2150,38 +2149,37 @@
           <a:p>
             <a:pPr lvl="0"/>
             <a:r>
-              <a:rPr lang="ko-KR" altLang="en-US" smtClean="0"/>
+              <a:rPr lang="ko-KR" altLang="en-US"/>
               <a:t>마스터 텍스트 스타일을 편집합니다</a:t>
             </a:r>
           </a:p>
           <a:p>
             <a:pPr lvl="1"/>
             <a:r>
-              <a:rPr lang="ko-KR" altLang="en-US" smtClean="0"/>
+              <a:rPr lang="ko-KR" altLang="en-US"/>
               <a:t>둘째 수준</a:t>
             </a:r>
           </a:p>
           <a:p>
             <a:pPr lvl="2"/>
             <a:r>
-              <a:rPr lang="ko-KR" altLang="en-US" smtClean="0"/>
+              <a:rPr lang="ko-KR" altLang="en-US"/>
               <a:t>셋째 수준</a:t>
             </a:r>
           </a:p>
           <a:p>
             <a:pPr lvl="3"/>
             <a:r>
-              <a:rPr lang="ko-KR" altLang="en-US" smtClean="0"/>
+              <a:rPr lang="ko-KR" altLang="en-US"/>
               <a:t>넷째 수준</a:t>
             </a:r>
           </a:p>
           <a:p>
             <a:pPr lvl="4"/>
             <a:r>
-              <a:rPr lang="ko-KR" altLang="en-US" smtClean="0"/>
+              <a:rPr lang="ko-KR" altLang="en-US"/>
               <a:t>다섯째 수준</a:t>
             </a:r>
-            <a:endParaRPr lang="ko-KR" altLang="en-US"/>
           </a:p>
         </p:txBody>
       </p:sp>
@@ -2244,7 +2242,7 @@
           <a:p>
             <a:pPr lvl="0"/>
             <a:r>
-              <a:rPr lang="ko-KR" altLang="en-US" smtClean="0"/>
+              <a:rPr lang="ko-KR" altLang="en-US"/>
               <a:t>마스터 텍스트 스타일을 편집합니다</a:t>
             </a:r>
           </a:p>
@@ -2370,10 +2368,9 @@
           </a:lstStyle>
           <a:p>
             <a:r>
-              <a:rPr lang="ko-KR" altLang="en-US" smtClean="0"/>
+              <a:rPr lang="ko-KR" altLang="en-US"/>
               <a:t>마스터 제목 스타일 편집</a:t>
             </a:r>
-            <a:endParaRPr lang="ko-KR" altLang="en-US"/>
           </a:p>
         </p:txBody>
       </p:sp>
@@ -2497,7 +2494,7 @@
           <a:p>
             <a:pPr lvl="0"/>
             <a:r>
-              <a:rPr lang="ko-KR" altLang="en-US" smtClean="0"/>
+              <a:rPr lang="ko-KR" altLang="en-US"/>
               <a:t>마스터 텍스트 스타일을 편집합니다</a:t>
             </a:r>
           </a:p>
@@ -2629,10 +2626,9 @@
           <a:lstStyle/>
           <a:p>
             <a:r>
-              <a:rPr lang="ko-KR" altLang="en-US" smtClean="0"/>
+              <a:rPr lang="ko-KR" altLang="en-US"/>
               <a:t>마스터 제목 스타일 편집</a:t>
             </a:r>
-            <a:endParaRPr lang="ko-KR" altLang="en-US"/>
           </a:p>
         </p:txBody>
       </p:sp>
@@ -2663,38 +2659,37 @@
           <a:p>
             <a:pPr lvl="0"/>
             <a:r>
-              <a:rPr lang="ko-KR" altLang="en-US" smtClean="0"/>
+              <a:rPr lang="ko-KR" altLang="en-US"/>
               <a:t>마스터 텍스트 스타일을 편집합니다</a:t>
             </a:r>
           </a:p>
           <a:p>
             <a:pPr lvl="1"/>
             <a:r>
-              <a:rPr lang="ko-KR" altLang="en-US" smtClean="0"/>
+              <a:rPr lang="ko-KR" altLang="en-US"/>
               <a:t>둘째 수준</a:t>
             </a:r>
           </a:p>
           <a:p>
             <a:pPr lvl="2"/>
             <a:r>
-              <a:rPr lang="ko-KR" altLang="en-US" smtClean="0"/>
+              <a:rPr lang="ko-KR" altLang="en-US"/>
               <a:t>셋째 수준</a:t>
             </a:r>
           </a:p>
           <a:p>
             <a:pPr lvl="3"/>
             <a:r>
-              <a:rPr lang="ko-KR" altLang="en-US" smtClean="0"/>
+              <a:rPr lang="ko-KR" altLang="en-US"/>
               <a:t>넷째 수준</a:t>
             </a:r>
           </a:p>
           <a:p>
             <a:pPr lvl="4"/>
             <a:r>
-              <a:rPr lang="ko-KR" altLang="en-US" smtClean="0"/>
+              <a:rPr lang="ko-KR" altLang="en-US"/>
               <a:t>다섯째 수준</a:t>
             </a:r>
-            <a:endParaRPr lang="ko-KR" altLang="en-US"/>
           </a:p>
         </p:txBody>
       </p:sp>
@@ -3288,7 +3283,7 @@
           <a:p>
             <a:pPr algn="ctr"/>
             <a:r>
-              <a:rPr lang="en-US" altLang="ko-KR" sz="5400" dirty="0" smtClean="0"/>
+              <a:rPr lang="en-US" altLang="ko-KR" sz="5400" dirty="0"/>
               <a:t>GROUPPL</a:t>
             </a:r>
             <a:endParaRPr lang="ko-KR" altLang="en-US" sz="5400" dirty="0"/>
@@ -3319,7 +3314,7 @@
           <a:p>
             <a:pPr algn="ctr"/>
             <a:r>
-              <a:rPr lang="en-US" altLang="ko-KR" dirty="0" smtClean="0">
+              <a:rPr lang="en-US" altLang="ko-KR" dirty="0">
                 <a:solidFill>
                   <a:schemeClr val="bg1"/>
                 </a:solidFill>
@@ -3327,52 +3322,12 @@
               <a:t>3</a:t>
             </a:r>
             <a:r>
-              <a:rPr lang="ko-KR" altLang="en-US" dirty="0" smtClean="0">
+              <a:rPr lang="ko-KR" altLang="en-US" dirty="0">
                 <a:solidFill>
                   <a:schemeClr val="bg1"/>
                 </a:solidFill>
               </a:rPr>
               <a:t>조</a:t>
-            </a:r>
-            <a:endParaRPr lang="en-US" altLang="ko-KR" dirty="0" smtClean="0">
-              <a:solidFill>
-                <a:schemeClr val="bg1"/>
-              </a:solidFill>
-            </a:endParaRPr>
-          </a:p>
-          <a:p>
-            <a:pPr algn="ctr"/>
-            <a:endParaRPr lang="en-US" altLang="ko-KR" dirty="0" smtClean="0">
-              <a:solidFill>
-                <a:schemeClr val="bg1"/>
-              </a:solidFill>
-            </a:endParaRPr>
-          </a:p>
-          <a:p>
-            <a:pPr algn="ctr"/>
-            <a:r>
-              <a:rPr lang="ko-KR" altLang="en-US" dirty="0" err="1" smtClean="0">
-                <a:solidFill>
-                  <a:schemeClr val="bg1"/>
-                </a:solidFill>
-              </a:rPr>
-              <a:t>이인재</a:t>
-            </a:r>
-            <a:endParaRPr lang="en-US" altLang="ko-KR" dirty="0" smtClean="0">
-              <a:solidFill>
-                <a:schemeClr val="bg1"/>
-              </a:solidFill>
-            </a:endParaRPr>
-          </a:p>
-          <a:p>
-            <a:pPr algn="ctr"/>
-            <a:r>
-              <a:rPr lang="ko-KR" altLang="en-US" dirty="0">
-                <a:solidFill>
-                  <a:schemeClr val="bg1"/>
-                </a:solidFill>
-              </a:rPr>
-              <a:t>마성익</a:t>
             </a:r>
             <a:endParaRPr lang="en-US" altLang="ko-KR" dirty="0">
               <a:solidFill>
@@ -3382,15 +3337,7 @@
           </a:p>
           <a:p>
             <a:pPr algn="ctr"/>
-            <a:r>
-              <a:rPr lang="ko-KR" altLang="en-US" dirty="0" smtClean="0">
-                <a:solidFill>
-                  <a:schemeClr val="bg1"/>
-                </a:solidFill>
-              </a:rPr>
-              <a:t>박진완</a:t>
-            </a:r>
-            <a:endParaRPr lang="en-US" altLang="ko-KR" dirty="0" smtClean="0">
+            <a:endParaRPr lang="en-US" altLang="ko-KR" dirty="0">
               <a:solidFill>
                 <a:schemeClr val="bg1"/>
               </a:solidFill>
@@ -3399,14 +3346,14 @@
           <a:p>
             <a:pPr algn="ctr"/>
             <a:r>
-              <a:rPr lang="ko-KR" altLang="en-US" dirty="0" smtClean="0">
-                <a:solidFill>
-                  <a:schemeClr val="bg1"/>
-                </a:solidFill>
-              </a:rPr>
-              <a:t>김태영</a:t>
-            </a:r>
-            <a:endParaRPr lang="en-US" altLang="ko-KR" dirty="0" smtClean="0">
+              <a:rPr lang="ko-KR" altLang="en-US" dirty="0" err="1">
+                <a:solidFill>
+                  <a:schemeClr val="bg1"/>
+                </a:solidFill>
+              </a:rPr>
+              <a:t>이인재</a:t>
+            </a:r>
+            <a:endParaRPr lang="en-US" altLang="ko-KR" dirty="0">
               <a:solidFill>
                 <a:schemeClr val="bg1"/>
               </a:solidFill>
@@ -3415,19 +3362,67 @@
           <a:p>
             <a:pPr algn="ctr"/>
             <a:r>
-              <a:rPr lang="ko-KR" altLang="en-US" dirty="0" smtClean="0">
-                <a:solidFill>
-                  <a:schemeClr val="bg1"/>
-                </a:solidFill>
-              </a:rPr>
-              <a:t>전창건</a:t>
-            </a:r>
-            <a:endParaRPr lang="en-US" altLang="ko-KR" dirty="0" smtClean="0">
+              <a:rPr lang="ko-KR" altLang="en-US" dirty="0">
+                <a:solidFill>
+                  <a:schemeClr val="bg1"/>
+                </a:solidFill>
+              </a:rPr>
+              <a:t>마성익</a:t>
+            </a:r>
+            <a:endParaRPr lang="en-US" altLang="ko-KR" dirty="0">
               <a:solidFill>
                 <a:schemeClr val="bg1"/>
               </a:solidFill>
             </a:endParaRPr>
           </a:p>
+          <a:p>
+            <a:pPr algn="ctr"/>
+            <a:r>
+              <a:rPr lang="ko-KR" altLang="en-US" dirty="0">
+                <a:solidFill>
+                  <a:schemeClr val="bg1"/>
+                </a:solidFill>
+              </a:rPr>
+              <a:t>박진완</a:t>
+            </a:r>
+            <a:endParaRPr lang="en-US" altLang="ko-KR" dirty="0">
+              <a:solidFill>
+                <a:schemeClr val="bg1"/>
+              </a:solidFill>
+            </a:endParaRPr>
+          </a:p>
+          <a:p>
+            <a:pPr algn="ctr"/>
+            <a:r>
+              <a:rPr lang="ko-KR" altLang="en-US" dirty="0">
+                <a:solidFill>
+                  <a:schemeClr val="bg1"/>
+                </a:solidFill>
+              </a:rPr>
+              <a:t>김태영</a:t>
+            </a:r>
+            <a:endParaRPr lang="en-US" altLang="ko-KR" dirty="0">
+              <a:solidFill>
+                <a:schemeClr val="bg1"/>
+              </a:solidFill>
+            </a:endParaRPr>
+          </a:p>
+          <a:p>
+            <a:pPr algn="ctr"/>
+            <a:r>
+              <a:rPr lang="ko-KR" altLang="en-US" dirty="0">
+                <a:solidFill>
+                  <a:schemeClr val="bg1"/>
+                </a:solidFill>
+              </a:rPr>
+              <a:t>전창건</a:t>
+            </a:r>
+            <a:endParaRPr lang="en-US" altLang="ko-KR" dirty="0">
+              <a:solidFill>
+                <a:schemeClr val="bg1"/>
+              </a:solidFill>
+            </a:endParaRPr>
+          </a:p>
         </p:txBody>
       </p:sp>
       <p:sp>
@@ -3454,14 +3449,14 @@
           <a:p>
             <a:pPr algn="ctr"/>
             <a:r>
-              <a:rPr lang="ko-KR" altLang="en-US" dirty="0" smtClean="0">
+              <a:rPr lang="ko-KR" altLang="en-US" dirty="0">
                 <a:solidFill>
                   <a:schemeClr val="bg1"/>
                 </a:solidFill>
               </a:rPr>
               <a:t>효과적인 프로젝트 관리 시스템</a:t>
             </a:r>
-            <a:endParaRPr lang="en-US" altLang="ko-KR" dirty="0" smtClean="0">
+            <a:endParaRPr lang="en-US" altLang="ko-KR" dirty="0">
               <a:solidFill>
                 <a:schemeClr val="bg1"/>
               </a:solidFill>
@@ -3479,13 +3474,6 @@
   <p:clrMapOvr>
     <a:masterClrMapping/>
   </p:clrMapOvr>
-  <p:timing>
-    <p:tnLst>
-      <p:par>
-        <p:cTn id="1" dur="indefinite" restart="never" nodeType="tmRoot"/>
-      </p:par>
-    </p:tnLst>
-  </p:timing>
 </p:sld>
 </file>
 
@@ -3686,10 +3674,9 @@
           <a:p>
             <a:pPr algn="ctr"/>
             <a:r>
-              <a:rPr lang="ko-KR" altLang="en-US" sz="4000" dirty="0" smtClean="0"/>
+              <a:rPr lang="ko-KR" altLang="en-US" sz="4000" dirty="0"/>
               <a:t>기능 사항</a:t>
             </a:r>
-            <a:endParaRPr lang="ko-KR" altLang="en-US" sz="4000" dirty="0"/>
           </a:p>
         </p:txBody>
       </p:sp>
@@ -3716,14 +3703,14 @@
           <a:lstStyle/>
           <a:p>
             <a:r>
-              <a:rPr lang="ko-KR" altLang="en-US" sz="2400" dirty="0" smtClean="0">
+              <a:rPr lang="ko-KR" altLang="en-US" sz="2400" dirty="0">
                 <a:solidFill>
                   <a:schemeClr val="bg1"/>
                 </a:solidFill>
               </a:rPr>
               <a:t>홈</a:t>
             </a:r>
-            <a:endParaRPr lang="en-US" altLang="ko-KR" sz="2400" dirty="0" smtClean="0">
+            <a:endParaRPr lang="en-US" altLang="ko-KR" sz="2400" dirty="0">
               <a:solidFill>
                 <a:schemeClr val="bg1"/>
               </a:solidFill>
@@ -3731,7 +3718,7 @@
           </a:p>
           <a:p>
             <a:r>
-              <a:rPr lang="en-US" altLang="ko-KR" dirty="0" smtClean="0">
+              <a:rPr lang="en-US" altLang="ko-KR" dirty="0">
                 <a:solidFill>
                   <a:schemeClr val="bg1"/>
                 </a:solidFill>
@@ -3739,7 +3726,7 @@
               <a:t> - </a:t>
             </a:r>
             <a:r>
-              <a:rPr lang="ko-KR" altLang="en-US" dirty="0" err="1" smtClean="0">
+              <a:rPr lang="ko-KR" altLang="en-US" dirty="0" err="1">
                 <a:solidFill>
                   <a:schemeClr val="bg1"/>
                 </a:solidFill>
@@ -3747,14 +3734,14 @@
               <a:t>최신글</a:t>
             </a:r>
             <a:r>
-              <a:rPr lang="ko-KR" altLang="en-US" dirty="0" smtClean="0">
+              <a:rPr lang="ko-KR" altLang="en-US" dirty="0">
                 <a:solidFill>
                   <a:schemeClr val="bg1"/>
                 </a:solidFill>
               </a:rPr>
               <a:t> 확인</a:t>
             </a:r>
-            <a:endParaRPr lang="en-US" altLang="ko-KR" dirty="0" smtClean="0">
+            <a:endParaRPr lang="en-US" altLang="ko-KR" dirty="0">
               <a:solidFill>
                 <a:schemeClr val="bg1"/>
               </a:solidFill>
@@ -3762,7 +3749,7 @@
           </a:p>
           <a:p>
             <a:r>
-              <a:rPr lang="en-US" altLang="ko-KR" dirty="0" smtClean="0">
+              <a:rPr lang="en-US" altLang="ko-KR" dirty="0">
                 <a:solidFill>
                   <a:schemeClr val="bg1"/>
                 </a:solidFill>
@@ -3770,14 +3757,14 @@
               <a:t> - </a:t>
             </a:r>
             <a:r>
-              <a:rPr lang="ko-KR" altLang="en-US" dirty="0" smtClean="0">
+              <a:rPr lang="ko-KR" altLang="en-US" dirty="0">
                 <a:solidFill>
                   <a:schemeClr val="bg1"/>
                 </a:solidFill>
               </a:rPr>
               <a:t>개인일정 간단 정보</a:t>
             </a:r>
-            <a:endParaRPr lang="en-US" altLang="ko-KR" dirty="0" smtClean="0">
+            <a:endParaRPr lang="en-US" altLang="ko-KR" dirty="0">
               <a:solidFill>
                 <a:schemeClr val="bg1"/>
               </a:solidFill>
@@ -3790,25 +3777,17 @@
                   <a:schemeClr val="bg1"/>
                 </a:solidFill>
               </a:rPr>
-              <a:t> </a:t>
-            </a:r>
-            <a:r>
-              <a:rPr lang="en-US" altLang="ko-KR" dirty="0" smtClean="0">
-                <a:solidFill>
-                  <a:schemeClr val="bg1"/>
-                </a:solidFill>
-              </a:rPr>
-              <a:t>- </a:t>
-            </a:r>
-            <a:r>
-              <a:rPr lang="ko-KR" altLang="en-US" dirty="0" smtClean="0">
+              <a:t> - </a:t>
+            </a:r>
+            <a:r>
+              <a:rPr lang="ko-KR" altLang="en-US" dirty="0">
                 <a:solidFill>
                   <a:schemeClr val="bg1"/>
                 </a:solidFill>
               </a:rPr>
               <a:t>소속 프로젝트 목록</a:t>
             </a:r>
-            <a:endParaRPr lang="en-US" altLang="ko-KR" dirty="0" smtClean="0">
+            <a:endParaRPr lang="en-US" altLang="ko-KR" dirty="0">
               <a:solidFill>
                 <a:schemeClr val="bg1"/>
               </a:solidFill>
@@ -3826,13 +3805,6 @@
   <p:clrMapOvr>
     <a:masterClrMapping/>
   </p:clrMapOvr>
-  <p:timing>
-    <p:tnLst>
-      <p:par>
-        <p:cTn id="1" dur="indefinite" restart="never" nodeType="tmRoot"/>
-      </p:par>
-    </p:tnLst>
-  </p:timing>
 </p:sld>
 </file>
 
@@ -4033,10 +4005,9 @@
           <a:p>
             <a:pPr algn="ctr"/>
             <a:r>
-              <a:rPr lang="ko-KR" altLang="en-US" sz="4000" dirty="0" smtClean="0"/>
+              <a:rPr lang="ko-KR" altLang="en-US" sz="4000" dirty="0"/>
               <a:t>기능 사항</a:t>
             </a:r>
-            <a:endParaRPr lang="ko-KR" altLang="en-US" sz="4000" dirty="0"/>
           </a:p>
         </p:txBody>
       </p:sp>
@@ -4063,14 +4034,14 @@
           <a:lstStyle/>
           <a:p>
             <a:r>
-              <a:rPr lang="ko-KR" altLang="en-US" sz="2400" dirty="0" smtClean="0">
+              <a:rPr lang="ko-KR" altLang="en-US" sz="2400" dirty="0">
                 <a:solidFill>
                   <a:schemeClr val="bg1"/>
                 </a:solidFill>
               </a:rPr>
               <a:t>프로젝트 보드</a:t>
             </a:r>
-            <a:endParaRPr lang="en-US" altLang="ko-KR" sz="2400" dirty="0" smtClean="0">
+            <a:endParaRPr lang="en-US" altLang="ko-KR" sz="2400" dirty="0">
               <a:solidFill>
                 <a:schemeClr val="bg1"/>
               </a:solidFill>
@@ -4078,7 +4049,7 @@
           </a:p>
           <a:p>
             <a:r>
-              <a:rPr lang="en-US" altLang="ko-KR" dirty="0" smtClean="0">
+              <a:rPr lang="en-US" altLang="ko-KR" dirty="0">
                 <a:solidFill>
                   <a:schemeClr val="bg1"/>
                 </a:solidFill>
@@ -4086,7 +4057,7 @@
               <a:t> - </a:t>
             </a:r>
             <a:r>
-              <a:rPr lang="ko-KR" altLang="en-US" dirty="0" err="1" smtClean="0">
+              <a:rPr lang="ko-KR" altLang="en-US" dirty="0" err="1">
                 <a:solidFill>
                   <a:schemeClr val="bg1"/>
                 </a:solidFill>
@@ -4094,82 +4065,13 @@
               <a:t>최신글</a:t>
             </a:r>
             <a:r>
-              <a:rPr lang="ko-KR" altLang="en-US" dirty="0" smtClean="0">
+              <a:rPr lang="ko-KR" altLang="en-US" dirty="0">
                 <a:solidFill>
                   <a:schemeClr val="bg1"/>
                 </a:solidFill>
               </a:rPr>
               <a:t> 게시</a:t>
             </a:r>
-            <a:endParaRPr lang="en-US" altLang="ko-KR" dirty="0" smtClean="0">
-              <a:solidFill>
-                <a:schemeClr val="bg1"/>
-              </a:solidFill>
-            </a:endParaRPr>
-          </a:p>
-          <a:p>
-            <a:r>
-              <a:rPr lang="en-US" altLang="ko-KR" dirty="0" smtClean="0">
-                <a:solidFill>
-                  <a:schemeClr val="bg1"/>
-                </a:solidFill>
-              </a:rPr>
-              <a:t> -</a:t>
-            </a:r>
-            <a:r>
-              <a:rPr lang="ko-KR" altLang="en-US" dirty="0" smtClean="0">
-                <a:solidFill>
-                  <a:schemeClr val="bg1"/>
-                </a:solidFill>
-              </a:rPr>
-              <a:t> 파일 첨부</a:t>
-            </a:r>
-            <a:endParaRPr lang="en-US" altLang="ko-KR" dirty="0" smtClean="0">
-              <a:solidFill>
-                <a:schemeClr val="bg1"/>
-              </a:solidFill>
-            </a:endParaRPr>
-          </a:p>
-          <a:p>
-            <a:r>
-              <a:rPr lang="en-US" altLang="ko-KR" dirty="0">
-                <a:solidFill>
-                  <a:schemeClr val="bg1"/>
-                </a:solidFill>
-              </a:rPr>
-              <a:t> - </a:t>
-            </a:r>
-            <a:r>
-              <a:rPr lang="ko-KR" altLang="en-US" dirty="0" err="1" smtClean="0">
-                <a:solidFill>
-                  <a:schemeClr val="bg1"/>
-                </a:solidFill>
-              </a:rPr>
-              <a:t>댓글</a:t>
-            </a:r>
-            <a:r>
-              <a:rPr lang="ko-KR" altLang="en-US" dirty="0" smtClean="0">
-                <a:solidFill>
-                  <a:schemeClr val="bg1"/>
-                </a:solidFill>
-              </a:rPr>
-              <a:t> </a:t>
-            </a:r>
-            <a:r>
-              <a:rPr lang="ko-KR" altLang="en-US" dirty="0" smtClean="0">
-                <a:solidFill>
-                  <a:schemeClr val="bg1"/>
-                </a:solidFill>
-              </a:rPr>
-              <a:t>쓰기</a:t>
-            </a:r>
-            <a:endParaRPr lang="en-US" altLang="ko-KR" dirty="0" smtClean="0">
-              <a:solidFill>
-                <a:schemeClr val="bg1"/>
-              </a:solidFill>
-            </a:endParaRPr>
-          </a:p>
-          <a:p>
             <a:endParaRPr lang="en-US" altLang="ko-KR" dirty="0">
               <a:solidFill>
                 <a:schemeClr val="bg1"/>
@@ -4177,97 +4079,13 @@
             </a:endParaRPr>
           </a:p>
           <a:p>
-            <a:endParaRPr lang="en-US" altLang="ko-KR" dirty="0" smtClean="0">
-              <a:solidFill>
-                <a:schemeClr val="bg1"/>
-              </a:solidFill>
-            </a:endParaRPr>
-          </a:p>
-          <a:p>
-            <a:r>
-              <a:rPr lang="ko-KR" altLang="en-US" sz="2400" dirty="0" smtClean="0">
-                <a:solidFill>
-                  <a:schemeClr val="bg1"/>
-                </a:solidFill>
-              </a:rPr>
-              <a:t>프로젝트 일정</a:t>
-            </a:r>
-            <a:endParaRPr lang="en-US" altLang="ko-KR" sz="2400" dirty="0" smtClean="0">
-              <a:solidFill>
-                <a:schemeClr val="bg1"/>
-              </a:solidFill>
-            </a:endParaRPr>
-          </a:p>
-          <a:p>
-            <a:r>
-              <a:rPr lang="en-US" altLang="ko-KR" dirty="0" smtClean="0">
-                <a:solidFill>
-                  <a:schemeClr val="bg1"/>
-                </a:solidFill>
-              </a:rPr>
-              <a:t> - </a:t>
-            </a:r>
-            <a:r>
-              <a:rPr lang="ko-KR" altLang="en-US" dirty="0" smtClean="0">
-                <a:solidFill>
-                  <a:schemeClr val="bg1"/>
-                </a:solidFill>
-              </a:rPr>
-              <a:t>프로젝트 일정 </a:t>
-            </a:r>
-            <a:r>
-              <a:rPr lang="ko-KR" altLang="en-US" dirty="0" smtClean="0">
-                <a:solidFill>
-                  <a:schemeClr val="bg1"/>
-                </a:solidFill>
-              </a:rPr>
-              <a:t>확인</a:t>
-            </a:r>
-            <a:endParaRPr lang="en-US" altLang="ko-KR" dirty="0" smtClean="0">
-              <a:solidFill>
-                <a:schemeClr val="bg1"/>
-              </a:solidFill>
-            </a:endParaRPr>
-          </a:p>
-          <a:p>
-            <a:r>
-              <a:rPr lang="en-US" altLang="ko-KR" dirty="0" smtClean="0">
-                <a:solidFill>
-                  <a:schemeClr val="bg1"/>
-                </a:solidFill>
-              </a:rPr>
-              <a:t> - </a:t>
-            </a:r>
-            <a:r>
-              <a:rPr lang="ko-KR" altLang="en-US" dirty="0" smtClean="0">
-                <a:solidFill>
-                  <a:schemeClr val="bg1"/>
-                </a:solidFill>
-              </a:rPr>
-              <a:t>멤버 일정 확인</a:t>
-            </a:r>
-            <a:endParaRPr lang="en-US" altLang="ko-KR" dirty="0" smtClean="0">
-              <a:solidFill>
-                <a:schemeClr val="bg1"/>
-              </a:solidFill>
-            </a:endParaRPr>
-          </a:p>
-          <a:p>
-            <a:r>
-              <a:rPr lang="en-US" altLang="ko-KR" dirty="0" smtClean="0">
-                <a:solidFill>
-                  <a:schemeClr val="bg1"/>
-                </a:solidFill>
-              </a:rPr>
-              <a:t> - </a:t>
-            </a:r>
-            <a:r>
-              <a:rPr lang="ko-KR" altLang="en-US" dirty="0" smtClean="0">
-                <a:solidFill>
-                  <a:schemeClr val="bg1"/>
-                </a:solidFill>
-              </a:rPr>
-              <a:t>담</a:t>
+            <a:r>
+              <a:rPr lang="en-US" altLang="ko-KR" dirty="0">
+                <a:solidFill>
+                  <a:schemeClr val="bg1"/>
+                </a:solidFill>
+              </a:rPr>
+              <a:t> -</a:t>
             </a:r>
             <a:r>
               <a:rPr lang="ko-KR" altLang="en-US" dirty="0">
@@ -4275,23 +4093,7 @@
                   <a:schemeClr val="bg1"/>
                 </a:solidFill>
               </a:rPr>
-              <a:t>당</a:t>
-            </a:r>
-            <a:r>
-              <a:rPr lang="ko-KR" altLang="en-US" dirty="0" smtClean="0">
-                <a:solidFill>
-                  <a:schemeClr val="bg1"/>
-                </a:solidFill>
-              </a:rPr>
-              <a:t>자 </a:t>
-            </a:r>
-            <a:r>
-              <a:rPr lang="ko-KR" altLang="en-US" dirty="0" smtClean="0">
-                <a:solidFill>
-                  <a:schemeClr val="bg1"/>
-                </a:solidFill>
-              </a:rPr>
-              <a:t>설정</a:t>
+              <a:t> 파일 첨부</a:t>
             </a:r>
             <a:endParaRPr lang="en-US" altLang="ko-KR" dirty="0">
               <a:solidFill>
@@ -4301,7 +4103,7 @@
           </a:p>
           <a:p>
             <a:r>
-              <a:rPr lang="en-US" altLang="ko-KR" dirty="0" smtClean="0">
+              <a:rPr lang="en-US" altLang="ko-KR" dirty="0">
                 <a:solidFill>
                   <a:schemeClr val="bg1"/>
                 </a:solidFill>
@@ -4309,33 +4111,7 @@
               <a:t> - </a:t>
             </a:r>
             <a:r>
-              <a:rPr lang="ko-KR" altLang="en-US" dirty="0" smtClean="0">
-                <a:solidFill>
-                  <a:schemeClr val="bg1"/>
-                </a:solidFill>
-              </a:rPr>
-              <a:t>진행도 확인</a:t>
-            </a:r>
-            <a:r>
-              <a:rPr lang="en-US" altLang="ko-KR" dirty="0" smtClean="0">
-                <a:solidFill>
-                  <a:schemeClr val="bg1"/>
-                </a:solidFill>
-              </a:rPr>
-              <a:t> </a:t>
-            </a:r>
-          </a:p>
-          <a:p>
-            <a:r>
-              <a:rPr lang="en-US" altLang="ko-KR" dirty="0">
-                <a:solidFill>
-                  <a:schemeClr val="bg1"/>
-                </a:solidFill>
-              </a:rPr>
-              <a:t> - </a:t>
-            </a:r>
-            <a:r>
-              <a:rPr lang="ko-KR" altLang="en-US" dirty="0" err="1" smtClean="0">
+              <a:rPr lang="ko-KR" altLang="en-US" dirty="0" err="1">
                 <a:solidFill>
                   <a:schemeClr val="bg1"/>
                 </a:solidFill>
@@ -4343,7 +4119,7 @@
               <a:t>댓글</a:t>
             </a:r>
             <a:r>
-              <a:rPr lang="ko-KR" altLang="en-US" dirty="0" smtClean="0">
+              <a:rPr lang="ko-KR" altLang="en-US" dirty="0">
                 <a:solidFill>
                   <a:schemeClr val="bg1"/>
                 </a:solidFill>
@@ -4357,7 +4133,162 @@
             </a:endParaRPr>
           </a:p>
           <a:p>
-            <a:endParaRPr lang="en-US" altLang="ko-KR" dirty="0" smtClean="0">
+            <a:endParaRPr lang="en-US" altLang="ko-KR" dirty="0">
+              <a:solidFill>
+                <a:schemeClr val="bg1"/>
+              </a:solidFill>
+            </a:endParaRPr>
+          </a:p>
+          <a:p>
+            <a:endParaRPr lang="en-US" altLang="ko-KR" dirty="0">
+              <a:solidFill>
+                <a:schemeClr val="bg1"/>
+              </a:solidFill>
+            </a:endParaRPr>
+          </a:p>
+          <a:p>
+            <a:r>
+              <a:rPr lang="ko-KR" altLang="en-US" sz="2400" dirty="0">
+                <a:solidFill>
+                  <a:schemeClr val="bg1"/>
+                </a:solidFill>
+              </a:rPr>
+              <a:t>프로젝트 일정</a:t>
+            </a:r>
+            <a:endParaRPr lang="en-US" altLang="ko-KR" sz="2400" dirty="0">
+              <a:solidFill>
+                <a:schemeClr val="bg1"/>
+              </a:solidFill>
+            </a:endParaRPr>
+          </a:p>
+          <a:p>
+            <a:r>
+              <a:rPr lang="en-US" altLang="ko-KR" dirty="0">
+                <a:solidFill>
+                  <a:schemeClr val="bg1"/>
+                </a:solidFill>
+              </a:rPr>
+              <a:t> - </a:t>
+            </a:r>
+            <a:r>
+              <a:rPr lang="ko-KR" altLang="en-US" dirty="0">
+                <a:solidFill>
+                  <a:schemeClr val="bg1"/>
+                </a:solidFill>
+              </a:rPr>
+              <a:t>프로젝트 일정 확인</a:t>
+            </a:r>
+            <a:endParaRPr lang="en-US" altLang="ko-KR" dirty="0">
+              <a:solidFill>
+                <a:schemeClr val="bg1"/>
+              </a:solidFill>
+            </a:endParaRPr>
+          </a:p>
+          <a:p>
+            <a:r>
+              <a:rPr lang="en-US" altLang="ko-KR" dirty="0">
+                <a:solidFill>
+                  <a:schemeClr val="bg1"/>
+                </a:solidFill>
+              </a:rPr>
+              <a:t> - </a:t>
+            </a:r>
+            <a:r>
+              <a:rPr lang="ko-KR" altLang="en-US" dirty="0">
+                <a:solidFill>
+                  <a:schemeClr val="bg1"/>
+                </a:solidFill>
+              </a:rPr>
+              <a:t>멤버 일정 확인</a:t>
+            </a:r>
+            <a:endParaRPr lang="en-US" altLang="ko-KR" dirty="0">
+              <a:solidFill>
+                <a:schemeClr val="bg1"/>
+              </a:solidFill>
+            </a:endParaRPr>
+          </a:p>
+          <a:p>
+            <a:r>
+              <a:rPr lang="en-US" altLang="ko-KR" dirty="0">
+                <a:solidFill>
+                  <a:schemeClr val="bg1"/>
+                </a:solidFill>
+              </a:rPr>
+              <a:t> - </a:t>
+            </a:r>
+            <a:r>
+              <a:rPr lang="ko-KR" altLang="en-US" dirty="0">
+                <a:solidFill>
+                  <a:schemeClr val="bg1"/>
+                </a:solidFill>
+              </a:rPr>
+              <a:t>담당자 설정</a:t>
+            </a:r>
+            <a:endParaRPr lang="en-US" altLang="ko-KR" dirty="0">
+              <a:solidFill>
+                <a:schemeClr val="bg1"/>
+              </a:solidFill>
+            </a:endParaRPr>
+          </a:p>
+          <a:p>
+            <a:r>
+              <a:rPr lang="en-US" altLang="ko-KR" dirty="0">
+                <a:solidFill>
+                  <a:schemeClr val="bg1"/>
+                </a:solidFill>
+              </a:rPr>
+              <a:t> - </a:t>
+            </a:r>
+            <a:r>
+              <a:rPr lang="ko-KR" altLang="en-US" dirty="0">
+                <a:solidFill>
+                  <a:schemeClr val="bg1"/>
+                </a:solidFill>
+              </a:rPr>
+              <a:t>진행도 확인</a:t>
+            </a:r>
+            <a:r>
+              <a:rPr lang="en-US" altLang="ko-KR" dirty="0">
+                <a:solidFill>
+                  <a:schemeClr val="bg1"/>
+                </a:solidFill>
+              </a:rPr>
+              <a:t> </a:t>
+            </a:r>
+          </a:p>
+          <a:p>
+            <a:r>
+              <a:rPr lang="en-US" altLang="ko-KR" dirty="0">
+                <a:solidFill>
+                  <a:schemeClr val="bg1"/>
+                </a:solidFill>
+              </a:rPr>
+              <a:t> - </a:t>
+            </a:r>
+            <a:r>
+              <a:rPr lang="ko-KR" altLang="en-US" dirty="0" err="1">
+                <a:solidFill>
+                  <a:schemeClr val="bg1"/>
+                </a:solidFill>
+              </a:rPr>
+              <a:t>댓글</a:t>
+            </a:r>
+            <a:r>
+              <a:rPr lang="ko-KR" altLang="en-US" dirty="0">
+                <a:solidFill>
+                  <a:schemeClr val="bg1"/>
+                </a:solidFill>
+              </a:rPr>
+              <a:t> 쓰기</a:t>
+            </a:r>
+            <a:endParaRPr lang="en-US" altLang="ko-KR" dirty="0">
+              <a:solidFill>
+                <a:schemeClr val="bg1"/>
+              </a:solidFill>
+            </a:endParaRPr>
+          </a:p>
+          <a:p>
+            <a:endParaRPr lang="en-US" altLang="ko-KR" dirty="0">
               <a:solidFill>
                 <a:schemeClr val="bg1"/>
               </a:solidFill>
@@ -4375,13 +4306,6 @@
   <p:clrMapOvr>
     <a:masterClrMapping/>
   </p:clrMapOvr>
-  <p:timing>
-    <p:tnLst>
-      <p:par>
-        <p:cTn id="1" dur="indefinite" restart="never" nodeType="tmRoot"/>
-      </p:par>
-    </p:tnLst>
-  </p:timing>
 </p:sld>
 </file>
 
@@ -4582,10 +4506,9 @@
           <a:p>
             <a:pPr algn="ctr"/>
             <a:r>
-              <a:rPr lang="ko-KR" altLang="en-US" sz="4000" dirty="0" smtClean="0"/>
+              <a:rPr lang="ko-KR" altLang="en-US" sz="4000" dirty="0"/>
               <a:t>기능 사항</a:t>
             </a:r>
-            <a:endParaRPr lang="ko-KR" altLang="en-US" sz="4000" dirty="0"/>
           </a:p>
         </p:txBody>
       </p:sp>
@@ -4612,104 +4535,13 @@
           <a:lstStyle/>
           <a:p>
             <a:r>
-              <a:rPr lang="ko-KR" altLang="en-US" sz="2400" dirty="0" smtClean="0">
+              <a:rPr lang="ko-KR" altLang="en-US" sz="2400" dirty="0">
                 <a:solidFill>
                   <a:schemeClr val="bg1"/>
                 </a:solidFill>
               </a:rPr>
               <a:t>개인 일정 </a:t>
             </a:r>
-            <a:endParaRPr lang="en-US" altLang="ko-KR" dirty="0" smtClean="0">
-              <a:solidFill>
-                <a:schemeClr val="bg1"/>
-              </a:solidFill>
-            </a:endParaRPr>
-          </a:p>
-          <a:p>
-            <a:r>
-              <a:rPr lang="en-US" altLang="ko-KR" dirty="0" smtClean="0">
-                <a:solidFill>
-                  <a:schemeClr val="bg1"/>
-                </a:solidFill>
-              </a:rPr>
-              <a:t> - </a:t>
-            </a:r>
-            <a:r>
-              <a:rPr lang="ko-KR" altLang="en-US" dirty="0" smtClean="0">
-                <a:solidFill>
-                  <a:schemeClr val="bg1"/>
-                </a:solidFill>
-              </a:rPr>
-              <a:t>개인 일정 확인</a:t>
-            </a:r>
-            <a:endParaRPr lang="en-US" altLang="ko-KR" dirty="0" smtClean="0">
-              <a:solidFill>
-                <a:schemeClr val="bg1"/>
-              </a:solidFill>
-            </a:endParaRPr>
-          </a:p>
-          <a:p>
-            <a:r>
-              <a:rPr lang="en-US" altLang="ko-KR" dirty="0" smtClean="0">
-                <a:solidFill>
-                  <a:schemeClr val="bg1"/>
-                </a:solidFill>
-              </a:rPr>
-              <a:t> - </a:t>
-            </a:r>
-            <a:r>
-              <a:rPr lang="ko-KR" altLang="en-US" dirty="0" smtClean="0">
-                <a:solidFill>
-                  <a:schemeClr val="bg1"/>
-                </a:solidFill>
-              </a:rPr>
-              <a:t>프로젝트 일정 확인</a:t>
-            </a:r>
-            <a:endParaRPr lang="en-US" altLang="ko-KR" dirty="0" smtClean="0">
-              <a:solidFill>
-                <a:schemeClr val="bg1"/>
-              </a:solidFill>
-            </a:endParaRPr>
-          </a:p>
-          <a:p>
-            <a:r>
-              <a:rPr lang="en-US" altLang="ko-KR" dirty="0" smtClean="0">
-                <a:solidFill>
-                  <a:schemeClr val="bg1"/>
-                </a:solidFill>
-              </a:rPr>
-              <a:t> - </a:t>
-            </a:r>
-            <a:r>
-              <a:rPr lang="ko-KR" altLang="en-US" dirty="0" smtClean="0">
-                <a:solidFill>
-                  <a:schemeClr val="bg1"/>
-                </a:solidFill>
-              </a:rPr>
-              <a:t>메모 </a:t>
-            </a:r>
-            <a:r>
-              <a:rPr lang="ko-KR" altLang="en-US" dirty="0" smtClean="0">
-                <a:solidFill>
-                  <a:schemeClr val="bg1"/>
-                </a:solidFill>
-              </a:rPr>
-              <a:t>쓰기</a:t>
-            </a:r>
-            <a:endParaRPr lang="en-US" altLang="ko-KR" dirty="0" smtClean="0">
-              <a:solidFill>
-                <a:schemeClr val="bg1"/>
-              </a:solidFill>
-            </a:endParaRPr>
-          </a:p>
-          <a:p>
-            <a:endParaRPr lang="en-US" altLang="ko-KR" dirty="0" smtClean="0">
-              <a:solidFill>
-                <a:schemeClr val="bg1"/>
-              </a:solidFill>
-            </a:endParaRPr>
-          </a:p>
-          <a:p>
             <a:endParaRPr lang="en-US" altLang="ko-KR" dirty="0">
               <a:solidFill>
                 <a:schemeClr val="bg1"/>
@@ -4718,6 +4550,89 @@
           </a:p>
           <a:p>
             <a:r>
+              <a:rPr lang="en-US" altLang="ko-KR" dirty="0">
+                <a:solidFill>
+                  <a:schemeClr val="bg1"/>
+                </a:solidFill>
+              </a:rPr>
+              <a:t> - </a:t>
+            </a:r>
+            <a:r>
+              <a:rPr lang="ko-KR" altLang="en-US" dirty="0">
+                <a:solidFill>
+                  <a:schemeClr val="bg1"/>
+                </a:solidFill>
+              </a:rPr>
+              <a:t>개인 일정 확인</a:t>
+            </a:r>
+            <a:endParaRPr lang="en-US" altLang="ko-KR" dirty="0">
+              <a:solidFill>
+                <a:schemeClr val="bg1"/>
+              </a:solidFill>
+            </a:endParaRPr>
+          </a:p>
+          <a:p>
+            <a:r>
+              <a:rPr lang="en-US" altLang="ko-KR" dirty="0">
+                <a:solidFill>
+                  <a:schemeClr val="bg1"/>
+                </a:solidFill>
+              </a:rPr>
+              <a:t> - </a:t>
+            </a:r>
+            <a:r>
+              <a:rPr lang="ko-KR" altLang="en-US" dirty="0">
+                <a:solidFill>
+                  <a:schemeClr val="bg1"/>
+                </a:solidFill>
+              </a:rPr>
+              <a:t>프로젝트 일정 확인</a:t>
+            </a:r>
+            <a:endParaRPr lang="en-US" altLang="ko-KR" dirty="0">
+              <a:solidFill>
+                <a:schemeClr val="bg1"/>
+              </a:solidFill>
+            </a:endParaRPr>
+          </a:p>
+          <a:p>
+            <a:r>
+              <a:rPr lang="en-US" altLang="ko-KR" dirty="0">
+                <a:solidFill>
+                  <a:schemeClr val="bg1"/>
+                </a:solidFill>
+              </a:rPr>
+              <a:t> - </a:t>
+            </a:r>
+            <a:r>
+              <a:rPr lang="ko-KR" altLang="en-US" dirty="0">
+                <a:solidFill>
+                  <a:schemeClr val="bg1"/>
+                </a:solidFill>
+              </a:rPr>
+              <a:t>메모 쓰기</a:t>
+            </a:r>
+            <a:endParaRPr lang="en-US" altLang="ko-KR" dirty="0">
+              <a:solidFill>
+                <a:schemeClr val="bg1"/>
+              </a:solidFill>
+            </a:endParaRPr>
+          </a:p>
+          <a:p>
+            <a:endParaRPr lang="en-US" altLang="ko-KR" dirty="0">
+              <a:solidFill>
+                <a:schemeClr val="bg1"/>
+              </a:solidFill>
+            </a:endParaRPr>
+          </a:p>
+          <a:p>
+            <a:endParaRPr lang="en-US" altLang="ko-KR" dirty="0">
+              <a:solidFill>
+                <a:schemeClr val="bg1"/>
+              </a:solidFill>
+            </a:endParaRPr>
+          </a:p>
+          <a:p>
+            <a:r>
               <a:rPr lang="ko-KR" altLang="en-US" sz="2400" dirty="0">
                 <a:solidFill>
                   <a:schemeClr val="bg1"/>
@@ -4778,7 +4693,7 @@
             </a:endParaRPr>
           </a:p>
           <a:p>
-            <a:endParaRPr lang="en-US" altLang="ko-KR" dirty="0" smtClean="0">
+            <a:endParaRPr lang="en-US" altLang="ko-KR" dirty="0">
               <a:solidFill>
                 <a:schemeClr val="bg1"/>
               </a:solidFill>
@@ -4796,13 +4711,6 @@
   <p:clrMapOvr>
     <a:masterClrMapping/>
   </p:clrMapOvr>
-  <p:timing>
-    <p:tnLst>
-      <p:par>
-        <p:cTn id="1" dur="indefinite" restart="never" nodeType="tmRoot"/>
-      </p:par>
-    </p:tnLst>
-  </p:timing>
 </p:sld>
 </file>
 
@@ -5003,10 +4911,9 @@
           <a:p>
             <a:pPr algn="ctr"/>
             <a:r>
-              <a:rPr lang="ko-KR" altLang="en-US" sz="4000" dirty="0" smtClean="0"/>
+              <a:rPr lang="ko-KR" altLang="en-US" sz="4000" dirty="0"/>
               <a:t>기능 사항</a:t>
             </a:r>
-            <a:endParaRPr lang="ko-KR" altLang="en-US" sz="4000" dirty="0"/>
           </a:p>
         </p:txBody>
       </p:sp>
@@ -5033,7 +4940,7 @@
           <a:lstStyle/>
           <a:p>
             <a:r>
-              <a:rPr lang="ko-KR" altLang="en-US" sz="2400" dirty="0" smtClean="0">
+              <a:rPr lang="ko-KR" altLang="en-US" sz="2400" dirty="0">
                 <a:solidFill>
                   <a:schemeClr val="bg1"/>
                 </a:solidFill>
@@ -5048,7 +4955,7 @@
           </a:p>
           <a:p>
             <a:r>
-              <a:rPr lang="en-US" altLang="ko-KR" dirty="0" smtClean="0">
+              <a:rPr lang="en-US" altLang="ko-KR" dirty="0">
                 <a:solidFill>
                   <a:schemeClr val="bg1"/>
                 </a:solidFill>
@@ -5056,7 +4963,7 @@
               <a:t> - </a:t>
             </a:r>
             <a:r>
-              <a:rPr lang="ko-KR" altLang="en-US" dirty="0" smtClean="0">
+              <a:rPr lang="ko-KR" altLang="en-US" dirty="0">
                 <a:solidFill>
                   <a:schemeClr val="bg1"/>
                 </a:solidFill>
@@ -5064,7 +4971,7 @@
               <a:t>아이디</a:t>
             </a:r>
             <a:r>
-              <a:rPr lang="en-US" altLang="ko-KR" dirty="0" smtClean="0">
+              <a:rPr lang="en-US" altLang="ko-KR" dirty="0">
                 <a:solidFill>
                   <a:schemeClr val="bg1"/>
                 </a:solidFill>
@@ -5072,7 +4979,7 @@
               <a:t>, </a:t>
             </a:r>
             <a:r>
-              <a:rPr lang="ko-KR" altLang="en-US" dirty="0" smtClean="0">
+              <a:rPr lang="ko-KR" altLang="en-US" dirty="0">
                 <a:solidFill>
                   <a:schemeClr val="bg1"/>
                 </a:solidFill>
@@ -5080,7 +4987,7 @@
               <a:t>이름</a:t>
             </a:r>
             <a:r>
-              <a:rPr lang="en-US" altLang="ko-KR" dirty="0" smtClean="0">
+              <a:rPr lang="en-US" altLang="ko-KR" dirty="0">
                 <a:solidFill>
                   <a:schemeClr val="bg1"/>
                 </a:solidFill>
@@ -5088,105 +4995,21 @@
               <a:t>, </a:t>
             </a:r>
             <a:r>
-              <a:rPr lang="ko-KR" altLang="en-US" dirty="0" smtClean="0">
-                <a:solidFill>
-                  <a:schemeClr val="bg1"/>
-                </a:solidFill>
-              </a:rPr>
-              <a:t>태</a:t>
-            </a:r>
-            <a:r>
-              <a:rPr lang="ko-KR" altLang="en-US" dirty="0" smtClean="0">
-                <a:solidFill>
-                  <a:schemeClr val="bg1"/>
-                </a:solidFill>
-              </a:rPr>
-              <a:t>그로 </a:t>
-            </a:r>
-            <a:r>
-              <a:rPr lang="ko-KR" altLang="en-US" dirty="0" err="1" smtClean="0">
+              <a:rPr lang="ko-KR" altLang="en-US" dirty="0">
+                <a:solidFill>
+                  <a:schemeClr val="bg1"/>
+                </a:solidFill>
+              </a:rPr>
+              <a:t>태그로 </a:t>
+            </a:r>
+            <a:r>
+              <a:rPr lang="ko-KR" altLang="en-US" dirty="0" err="1">
                 <a:solidFill>
                   <a:schemeClr val="bg1"/>
                 </a:solidFill>
               </a:rPr>
               <a:t>필터링</a:t>
             </a:r>
-            <a:endParaRPr lang="en-US" altLang="ko-KR" dirty="0" smtClean="0">
-              <a:solidFill>
-                <a:schemeClr val="bg1"/>
-              </a:solidFill>
-            </a:endParaRPr>
-          </a:p>
-          <a:p>
-            <a:r>
-              <a:rPr lang="en-US" altLang="ko-KR" dirty="0">
-                <a:solidFill>
-                  <a:schemeClr val="bg1"/>
-                </a:solidFill>
-              </a:rPr>
-              <a:t> </a:t>
-            </a:r>
-            <a:r>
-              <a:rPr lang="en-US" altLang="ko-KR" dirty="0" smtClean="0">
-                <a:solidFill>
-                  <a:schemeClr val="bg1"/>
-                </a:solidFill>
-              </a:rPr>
-              <a:t>- </a:t>
-            </a:r>
-            <a:r>
-              <a:rPr lang="ko-KR" altLang="en-US" dirty="0" smtClean="0">
-                <a:solidFill>
-                  <a:schemeClr val="bg1"/>
-                </a:solidFill>
-              </a:rPr>
-              <a:t>멤버정보 확인</a:t>
-            </a:r>
-            <a:endParaRPr lang="en-US" altLang="ko-KR" dirty="0" smtClean="0">
-              <a:solidFill>
-                <a:schemeClr val="bg1"/>
-              </a:solidFill>
-            </a:endParaRPr>
-          </a:p>
-          <a:p>
-            <a:r>
-              <a:rPr lang="en-US" altLang="ko-KR" dirty="0" smtClean="0">
-                <a:solidFill>
-                  <a:schemeClr val="bg1"/>
-                </a:solidFill>
-              </a:rPr>
-              <a:t> - </a:t>
-            </a:r>
-            <a:r>
-              <a:rPr lang="ko-KR" altLang="en-US" dirty="0" smtClean="0">
-                <a:solidFill>
-                  <a:schemeClr val="bg1"/>
-                </a:solidFill>
-              </a:rPr>
-              <a:t>초대장 </a:t>
-            </a:r>
-            <a:r>
-              <a:rPr lang="ko-KR" altLang="en-US" dirty="0" smtClean="0">
-                <a:solidFill>
-                  <a:schemeClr val="bg1"/>
-                </a:solidFill>
-              </a:rPr>
-              <a:t>보내기</a:t>
-            </a:r>
-            <a:endParaRPr lang="en-US" altLang="ko-KR" dirty="0" smtClean="0">
-              <a:solidFill>
-                <a:schemeClr val="bg1"/>
-              </a:solidFill>
-            </a:endParaRPr>
-          </a:p>
-          <a:p>
-            <a:endParaRPr lang="en-US" altLang="ko-KR" dirty="0" smtClean="0">
-              <a:solidFill>
-                <a:schemeClr val="bg1"/>
-              </a:solidFill>
-            </a:endParaRPr>
-          </a:p>
-          <a:p>
             <a:endParaRPr lang="en-US" altLang="ko-KR" dirty="0">
               <a:solidFill>
                 <a:schemeClr val="bg1"/>
@@ -5195,6 +5018,66 @@
           </a:p>
           <a:p>
             <a:r>
+              <a:rPr lang="en-US" altLang="ko-KR" dirty="0">
+                <a:solidFill>
+                  <a:schemeClr val="bg1"/>
+                </a:solidFill>
+              </a:rPr>
+              <a:t> - </a:t>
+            </a:r>
+            <a:r>
+              <a:rPr lang="ko-KR" altLang="en-US" dirty="0">
+                <a:solidFill>
+                  <a:schemeClr val="bg1"/>
+                </a:solidFill>
+              </a:rPr>
+              <a:t>멤버정보 확인</a:t>
+            </a:r>
+            <a:endParaRPr lang="en-US" altLang="ko-KR" dirty="0">
+              <a:solidFill>
+                <a:schemeClr val="bg1"/>
+              </a:solidFill>
+            </a:endParaRPr>
+          </a:p>
+          <a:p>
+            <a:r>
+              <a:rPr lang="en-US" altLang="ko-KR" dirty="0">
+                <a:solidFill>
+                  <a:schemeClr val="bg1"/>
+                </a:solidFill>
+              </a:rPr>
+              <a:t> - </a:t>
+            </a:r>
+            <a:r>
+              <a:rPr lang="ko-KR" altLang="en-US" dirty="0">
+                <a:solidFill>
+                  <a:schemeClr val="bg1"/>
+                </a:solidFill>
+              </a:rPr>
+              <a:t>초대장 보내기</a:t>
+            </a:r>
+            <a:endParaRPr lang="en-US" altLang="ko-KR" dirty="0">
+              <a:solidFill>
+                <a:schemeClr val="bg1"/>
+              </a:solidFill>
+            </a:endParaRPr>
+          </a:p>
+          <a:p>
+            <a:endParaRPr lang="en-US" altLang="ko-KR" dirty="0">
+              <a:solidFill>
+                <a:schemeClr val="bg1"/>
+              </a:solidFill>
+            </a:endParaRPr>
+          </a:p>
+          <a:p>
+            <a:endParaRPr lang="en-US" altLang="ko-KR" dirty="0">
+              <a:solidFill>
+                <a:schemeClr val="bg1"/>
+              </a:solidFill>
+            </a:endParaRPr>
+          </a:p>
+          <a:p>
+            <a:r>
               <a:rPr lang="ko-KR" altLang="en-US" sz="2400" dirty="0">
                 <a:solidFill>
                   <a:schemeClr val="bg1"/>
@@ -5273,23 +5156,15 @@
           </a:p>
           <a:p>
             <a:r>
-              <a:rPr lang="en-US" altLang="ko-KR" dirty="0" smtClean="0">
-                <a:solidFill>
-                  <a:schemeClr val="bg1"/>
-                </a:solidFill>
-              </a:rPr>
-              <a:t> </a:t>
-            </a:r>
-            <a:r>
               <a:rPr lang="en-US" altLang="ko-KR" dirty="0">
                 <a:solidFill>
                   <a:schemeClr val="bg1"/>
                 </a:solidFill>
               </a:rPr>
-              <a:t>- </a:t>
-            </a:r>
-            <a:r>
-              <a:rPr lang="ko-KR" altLang="en-US" dirty="0" smtClean="0">
+              <a:t> - </a:t>
+            </a:r>
+            <a:r>
+              <a:rPr lang="ko-KR" altLang="en-US" dirty="0">
                 <a:solidFill>
                   <a:schemeClr val="bg1"/>
                 </a:solidFill>
@@ -5304,7 +5179,7 @@
           </a:p>
           <a:p>
             <a:r>
-              <a:rPr lang="en-US" altLang="ko-KR" dirty="0" smtClean="0">
+              <a:rPr lang="en-US" altLang="ko-KR" dirty="0">
                 <a:solidFill>
                   <a:schemeClr val="bg1"/>
                 </a:solidFill>
@@ -5312,14 +5187,14 @@
               <a:t> - </a:t>
             </a:r>
             <a:r>
-              <a:rPr lang="ko-KR" altLang="en-US" dirty="0" smtClean="0">
+              <a:rPr lang="ko-KR" altLang="en-US" dirty="0">
                 <a:solidFill>
                   <a:schemeClr val="bg1"/>
                 </a:solidFill>
               </a:rPr>
               <a:t>지원서 보내기</a:t>
             </a:r>
-            <a:endParaRPr lang="en-US" altLang="ko-KR" dirty="0" smtClean="0">
+            <a:endParaRPr lang="en-US" altLang="ko-KR" dirty="0">
               <a:solidFill>
                 <a:schemeClr val="bg1"/>
               </a:solidFill>
@@ -5337,13 +5212,6 @@
   <p:clrMapOvr>
     <a:masterClrMapping/>
   </p:clrMapOvr>
-  <p:timing>
-    <p:tnLst>
-      <p:par>
-        <p:cTn id="1" dur="indefinite" restart="never" nodeType="tmRoot"/>
-      </p:par>
-    </p:tnLst>
-  </p:timing>
 </p:sld>
 </file>
 
@@ -5544,10 +5412,9 @@
           <a:p>
             <a:pPr algn="ctr"/>
             <a:r>
-              <a:rPr lang="ko-KR" altLang="en-US" sz="4800" dirty="0" smtClean="0"/>
+              <a:rPr lang="ko-KR" altLang="en-US" sz="4800" dirty="0"/>
               <a:t>감사합니다</a:t>
             </a:r>
-            <a:endParaRPr lang="ko-KR" altLang="en-US" sz="4800" dirty="0"/>
           </a:p>
         </p:txBody>
       </p:sp>
@@ -5561,13 +5428,6 @@
   <p:clrMapOvr>
     <a:masterClrMapping/>
   </p:clrMapOvr>
-  <p:timing>
-    <p:tnLst>
-      <p:par>
-        <p:cTn id="1" dur="indefinite" restart="never" nodeType="tmRoot"/>
-      </p:par>
-    </p:tnLst>
-  </p:timing>
 </p:sld>
 </file>
 
@@ -5768,12 +5628,8 @@
           <a:p>
             <a:pPr algn="ctr"/>
             <a:r>
-              <a:rPr lang="ko-KR" altLang="en-US" sz="3600" dirty="0" smtClean="0"/>
-              <a:t>목</a:t>
-            </a:r>
-            <a:r>
               <a:rPr lang="ko-KR" altLang="en-US" sz="3600" dirty="0"/>
-              <a:t>차</a:t>
+              <a:t>목차</a:t>
             </a:r>
             <a:endParaRPr lang="ko-KR" altLang="en-US" sz="5400" dirty="0"/>
           </a:p>
@@ -5803,7 +5659,7 @@
           <a:p>
             <a:pPr algn="ctr"/>
             <a:r>
-              <a:rPr lang="en-US" altLang="ko-KR" dirty="0" smtClean="0">
+              <a:rPr lang="en-US" altLang="ko-KR" dirty="0">
                 <a:solidFill>
                   <a:schemeClr val="bg1"/>
                 </a:solidFill>
@@ -5811,18 +5667,13 @@
               <a:t>Part 1. </a:t>
             </a:r>
             <a:r>
-              <a:rPr lang="ko-KR" altLang="en-US" dirty="0" smtClean="0">
+              <a:rPr lang="ko-KR" altLang="en-US" dirty="0">
                 <a:solidFill>
                   <a:schemeClr val="bg1"/>
                 </a:solidFill>
               </a:rPr>
               <a:t>개발 목적</a:t>
             </a:r>
-            <a:endParaRPr lang="ko-KR" altLang="en-US" dirty="0">
-              <a:solidFill>
-                <a:schemeClr val="bg1"/>
-              </a:solidFill>
-            </a:endParaRPr>
           </a:p>
         </p:txBody>
       </p:sp>
@@ -5850,7 +5701,7 @@
           <a:p>
             <a:pPr algn="ctr"/>
             <a:r>
-              <a:rPr lang="en-US" altLang="ko-KR" dirty="0" smtClean="0">
+              <a:rPr lang="en-US" altLang="ko-KR" dirty="0">
                 <a:solidFill>
                   <a:schemeClr val="bg1"/>
                 </a:solidFill>
@@ -5858,18 +5709,13 @@
               <a:t>Part 2. </a:t>
             </a:r>
             <a:r>
-              <a:rPr lang="ko-KR" altLang="en-US" dirty="0" smtClean="0">
+              <a:rPr lang="ko-KR" altLang="en-US" dirty="0">
                 <a:solidFill>
                   <a:schemeClr val="bg1"/>
                 </a:solidFill>
               </a:rPr>
               <a:t>벤치마킹</a:t>
             </a:r>
-            <a:endParaRPr lang="ko-KR" altLang="en-US" dirty="0">
-              <a:solidFill>
-                <a:schemeClr val="bg1"/>
-              </a:solidFill>
-            </a:endParaRPr>
           </a:p>
         </p:txBody>
       </p:sp>
@@ -5897,7 +5743,7 @@
           <a:p>
             <a:pPr algn="ctr"/>
             <a:r>
-              <a:rPr lang="en-US" altLang="ko-KR" dirty="0" smtClean="0">
+              <a:rPr lang="en-US" altLang="ko-KR" dirty="0">
                 <a:solidFill>
                   <a:schemeClr val="bg1"/>
                 </a:solidFill>
@@ -5905,18 +5751,13 @@
               <a:t>Part 3. </a:t>
             </a:r>
             <a:r>
-              <a:rPr lang="ko-KR" altLang="en-US" dirty="0" smtClean="0">
+              <a:rPr lang="ko-KR" altLang="en-US" dirty="0">
                 <a:solidFill>
                   <a:schemeClr val="bg1"/>
                 </a:solidFill>
               </a:rPr>
               <a:t>기능 사항</a:t>
             </a:r>
-            <a:endParaRPr lang="ko-KR" altLang="en-US" dirty="0">
-              <a:solidFill>
-                <a:schemeClr val="bg1"/>
-              </a:solidFill>
-            </a:endParaRPr>
           </a:p>
         </p:txBody>
       </p:sp>
@@ -5930,13 +5771,6 @@
   <p:clrMapOvr>
     <a:masterClrMapping/>
   </p:clrMapOvr>
-  <p:timing>
-    <p:tnLst>
-      <p:par>
-        <p:cTn id="1" dur="indefinite" restart="never" nodeType="tmRoot"/>
-      </p:par>
-    </p:tnLst>
-  </p:timing>
 </p:sld>
 </file>
 
@@ -6141,7 +5975,7 @@
               </a:lnSpc>
             </a:pPr>
             <a:r>
-              <a:rPr lang="en-US" altLang="ko-KR" sz="4000" dirty="0" smtClean="0"/>
+              <a:rPr lang="en-US" altLang="ko-KR" sz="4000" dirty="0"/>
               <a:t>Part 1</a:t>
             </a:r>
           </a:p>
@@ -6152,7 +5986,7 @@
               </a:lnSpc>
             </a:pPr>
             <a:r>
-              <a:rPr lang="ko-KR" altLang="en-US" sz="4000" dirty="0" smtClean="0"/>
+              <a:rPr lang="ko-KR" altLang="en-US" sz="4000" dirty="0"/>
               <a:t>개발</a:t>
             </a:r>
             <a:r>
@@ -6160,10 +5994,9 @@
               <a:t> </a:t>
             </a:r>
             <a:r>
-              <a:rPr lang="ko-KR" altLang="en-US" sz="4000" dirty="0" smtClean="0"/>
+              <a:rPr lang="ko-KR" altLang="en-US" sz="4000" dirty="0"/>
               <a:t>목적</a:t>
             </a:r>
-            <a:endParaRPr lang="ko-KR" altLang="en-US" sz="4000" dirty="0"/>
           </a:p>
         </p:txBody>
       </p:sp>
@@ -6177,13 +6010,6 @@
   <p:clrMapOvr>
     <a:masterClrMapping/>
   </p:clrMapOvr>
-  <p:timing>
-    <p:tnLst>
-      <p:par>
-        <p:cTn id="1" dur="indefinite" restart="never" nodeType="tmRoot"/>
-      </p:par>
-    </p:tnLst>
-  </p:timing>
 </p:sld>
 </file>
 
@@ -6384,10 +6210,9 @@
           <a:p>
             <a:pPr algn="ctr"/>
             <a:r>
-              <a:rPr lang="ko-KR" altLang="en-US" sz="4000" dirty="0" smtClean="0"/>
+              <a:rPr lang="ko-KR" altLang="en-US" sz="4000" dirty="0"/>
               <a:t>개발 목적</a:t>
             </a:r>
-            <a:endParaRPr lang="ko-KR" altLang="en-US" sz="4000" dirty="0"/>
           </a:p>
         </p:txBody>
       </p:sp>
@@ -6419,14 +6244,14 @@
               </a:lnSpc>
             </a:pPr>
             <a:r>
-              <a:rPr lang="ko-KR" altLang="en-US" dirty="0" smtClean="0">
+              <a:rPr lang="ko-KR" altLang="en-US" dirty="0">
                 <a:solidFill>
                   <a:schemeClr val="bg1"/>
                 </a:solidFill>
               </a:rPr>
               <a:t>누구나 자신이 원하는 프로젝트 팀을 </a:t>
             </a:r>
-            <a:endParaRPr lang="en-US" altLang="ko-KR" dirty="0" smtClean="0">
+            <a:endParaRPr lang="en-US" altLang="ko-KR" dirty="0">
               <a:solidFill>
                 <a:schemeClr val="bg1"/>
               </a:solidFill>
@@ -6439,14 +6264,14 @@
               </a:lnSpc>
             </a:pPr>
             <a:r>
-              <a:rPr lang="ko-KR" altLang="en-US" dirty="0" smtClean="0">
+              <a:rPr lang="ko-KR" altLang="en-US" dirty="0">
                 <a:solidFill>
                   <a:schemeClr val="bg1"/>
                 </a:solidFill>
               </a:rPr>
               <a:t>간편하게 결성하거나 가입 할 수 있고</a:t>
             </a:r>
-            <a:endParaRPr lang="en-US" altLang="ko-KR" dirty="0" smtClean="0">
+            <a:endParaRPr lang="en-US" altLang="ko-KR" dirty="0">
               <a:solidFill>
                 <a:schemeClr val="bg1"/>
               </a:solidFill>
@@ -6459,14 +6284,14 @@
               </a:lnSpc>
             </a:pPr>
             <a:r>
-              <a:rPr lang="ko-KR" altLang="en-US" dirty="0" smtClean="0">
+              <a:rPr lang="ko-KR" altLang="en-US" dirty="0">
                 <a:solidFill>
                   <a:schemeClr val="bg1"/>
                 </a:solidFill>
               </a:rPr>
               <a:t>개인과 팀간의 공유된 일정을 </a:t>
             </a:r>
-            <a:endParaRPr lang="en-US" altLang="ko-KR" dirty="0" smtClean="0">
+            <a:endParaRPr lang="en-US" altLang="ko-KR" dirty="0">
               <a:solidFill>
                 <a:schemeClr val="bg1"/>
               </a:solidFill>
@@ -6479,7 +6304,7 @@
               </a:lnSpc>
             </a:pPr>
             <a:r>
-              <a:rPr lang="ko-KR" altLang="en-US" dirty="0" smtClean="0">
+              <a:rPr lang="ko-KR" altLang="en-US" dirty="0">
                 <a:solidFill>
                   <a:schemeClr val="bg1"/>
                 </a:solidFill>
@@ -6487,7 +6312,7 @@
               <a:t>직관적인 </a:t>
             </a:r>
             <a:r>
-              <a:rPr lang="en-US" altLang="ko-KR" dirty="0" smtClean="0">
+              <a:rPr lang="en-US" altLang="ko-KR" dirty="0">
                 <a:solidFill>
                   <a:schemeClr val="bg1"/>
                 </a:solidFill>
@@ -6495,14 +6320,14 @@
               <a:t>UI</a:t>
             </a:r>
             <a:r>
-              <a:rPr lang="ko-KR" altLang="en-US" dirty="0" smtClean="0">
+              <a:rPr lang="ko-KR" altLang="en-US" dirty="0">
                 <a:solidFill>
                   <a:schemeClr val="bg1"/>
                 </a:solidFill>
               </a:rPr>
               <a:t>를 통해 </a:t>
             </a:r>
-            <a:endParaRPr lang="en-US" altLang="ko-KR" dirty="0" smtClean="0">
+            <a:endParaRPr lang="en-US" altLang="ko-KR" dirty="0">
               <a:solidFill>
                 <a:schemeClr val="bg1"/>
               </a:solidFill>
@@ -6515,7 +6340,7 @@
               </a:lnSpc>
             </a:pPr>
             <a:r>
-              <a:rPr lang="ko-KR" altLang="en-US" dirty="0" smtClean="0">
+              <a:rPr lang="ko-KR" altLang="en-US" dirty="0">
                 <a:solidFill>
                   <a:schemeClr val="bg1"/>
                 </a:solidFill>
@@ -6523,7 +6348,7 @@
               <a:t>일정에 대한 빠른 피드백</a:t>
             </a:r>
             <a:r>
-              <a:rPr lang="en-US" altLang="ko-KR" dirty="0" smtClean="0">
+              <a:rPr lang="en-US" altLang="ko-KR" dirty="0">
                 <a:solidFill>
                   <a:schemeClr val="bg1"/>
                 </a:solidFill>
@@ -6531,14 +6356,14 @@
               <a:t>, </a:t>
             </a:r>
             <a:r>
-              <a:rPr lang="ko-KR" altLang="en-US" dirty="0" smtClean="0">
-                <a:solidFill>
-                  <a:schemeClr val="bg1"/>
-                </a:solidFill>
-              </a:rPr>
-              <a:t>효율적 업무분배를 가능하게 함으로써 개발 업무에 집중할 수 </a:t>
-            </a:r>
-            <a:endParaRPr lang="en-US" altLang="ko-KR" dirty="0" smtClean="0">
+              <a:rPr lang="ko-KR" altLang="en-US" dirty="0">
+                <a:solidFill>
+                  <a:schemeClr val="bg1"/>
+                </a:solidFill>
+              </a:rPr>
+              <a:t>효율적 업무분배를 가능하게 함으로써 업무에 집중할 수 </a:t>
+            </a:r>
+            <a:endParaRPr lang="en-US" altLang="ko-KR" dirty="0">
               <a:solidFill>
                 <a:schemeClr val="bg1"/>
               </a:solidFill>
@@ -6551,14 +6376,14 @@
               </a:lnSpc>
             </a:pPr>
             <a:r>
-              <a:rPr lang="ko-KR" altLang="en-US" dirty="0" smtClean="0">
+              <a:rPr lang="ko-KR" altLang="en-US" dirty="0">
                 <a:solidFill>
                   <a:schemeClr val="bg1"/>
                 </a:solidFill>
               </a:rPr>
               <a:t>있도록 하는 것을 목적으로 함</a:t>
             </a:r>
-            <a:endParaRPr lang="en-US" altLang="ko-KR" dirty="0" smtClean="0">
+            <a:endParaRPr lang="en-US" altLang="ko-KR" dirty="0">
               <a:solidFill>
                 <a:schemeClr val="bg1"/>
               </a:solidFill>
@@ -6576,13 +6401,6 @@
   <p:clrMapOvr>
     <a:masterClrMapping/>
   </p:clrMapOvr>
-  <p:timing>
-    <p:tnLst>
-      <p:par>
-        <p:cTn id="1" dur="indefinite" restart="never" nodeType="tmRoot"/>
-      </p:par>
-    </p:tnLst>
-  </p:timing>
 </p:sld>
 </file>
 
@@ -6787,7 +6605,7 @@
               </a:lnSpc>
             </a:pPr>
             <a:r>
-              <a:rPr lang="en-US" altLang="ko-KR" sz="4000" dirty="0" smtClean="0"/>
+              <a:rPr lang="en-US" altLang="ko-KR" sz="4000" dirty="0"/>
               <a:t>Part 2</a:t>
             </a:r>
           </a:p>
@@ -6798,10 +6616,9 @@
               </a:lnSpc>
             </a:pPr>
             <a:r>
-              <a:rPr lang="ko-KR" altLang="en-US" sz="4000" dirty="0" smtClean="0"/>
+              <a:rPr lang="ko-KR" altLang="en-US" sz="4000" dirty="0"/>
               <a:t>벤치마킹</a:t>
             </a:r>
-            <a:endParaRPr lang="ko-KR" altLang="en-US" sz="4000" dirty="0"/>
           </a:p>
         </p:txBody>
       </p:sp>
@@ -6815,13 +6632,6 @@
   <p:clrMapOvr>
     <a:masterClrMapping/>
   </p:clrMapOvr>
-  <p:timing>
-    <p:tnLst>
-      <p:par>
-        <p:cTn id="1" dur="indefinite" restart="never" nodeType="tmRoot"/>
-      </p:par>
-    </p:tnLst>
-  </p:timing>
 </p:sld>
 </file>
 
@@ -7022,10 +6832,9 @@
           <a:p>
             <a:pPr algn="ctr"/>
             <a:r>
-              <a:rPr lang="ko-KR" altLang="en-US" sz="4000" dirty="0" smtClean="0"/>
+              <a:rPr lang="ko-KR" altLang="en-US" sz="4000" dirty="0"/>
               <a:t>벤치마킹</a:t>
             </a:r>
-            <a:endParaRPr lang="ko-KR" altLang="en-US" sz="4000" dirty="0"/>
           </a:p>
         </p:txBody>
       </p:sp>
@@ -7107,7 +6916,7 @@
           <a:p>
             <a:pPr algn="ctr"/>
             <a:r>
-              <a:rPr lang="ko-KR" altLang="en-US" dirty="0" err="1" smtClean="0">
+              <a:rPr lang="ko-KR" altLang="en-US" dirty="0" err="1">
                 <a:solidFill>
                   <a:schemeClr val="bg1"/>
                 </a:solidFill>
@@ -7115,7 +6924,7 @@
               <a:t>깃허브</a:t>
             </a:r>
             <a:r>
-              <a:rPr lang="ko-KR" altLang="en-US" dirty="0" smtClean="0">
+              <a:rPr lang="ko-KR" altLang="en-US" dirty="0">
                 <a:solidFill>
                   <a:schemeClr val="bg1"/>
                 </a:solidFill>
@@ -7123,7 +6932,7 @@
               <a:t> </a:t>
             </a:r>
             <a:r>
-              <a:rPr lang="en-US" altLang="ko-KR" dirty="0" smtClean="0">
+              <a:rPr lang="en-US" altLang="ko-KR" dirty="0">
                 <a:solidFill>
                   <a:schemeClr val="bg1"/>
                 </a:solidFill>
@@ -7148,13 +6957,6 @@
   <p:clrMapOvr>
     <a:masterClrMapping/>
   </p:clrMapOvr>
-  <p:timing>
-    <p:tnLst>
-      <p:par>
-        <p:cTn id="1" dur="indefinite" restart="never" nodeType="tmRoot"/>
-      </p:par>
-    </p:tnLst>
-  </p:timing>
 </p:sld>
 </file>
 
@@ -7355,10 +7157,9 @@
           <a:p>
             <a:pPr algn="ctr"/>
             <a:r>
-              <a:rPr lang="ko-KR" altLang="en-US" sz="4000" dirty="0" smtClean="0"/>
+              <a:rPr lang="ko-KR" altLang="en-US" sz="4000" dirty="0"/>
               <a:t>벤치마킹</a:t>
             </a:r>
-            <a:endParaRPr lang="ko-KR" altLang="en-US" sz="4000" dirty="0"/>
           </a:p>
         </p:txBody>
       </p:sp>
@@ -7386,7 +7187,7 @@
           <a:p>
             <a:pPr algn="ctr"/>
             <a:r>
-              <a:rPr lang="ko-KR" altLang="en-US" dirty="0" err="1" smtClean="0">
+              <a:rPr lang="ko-KR" altLang="en-US" dirty="0" err="1">
                 <a:solidFill>
                   <a:schemeClr val="bg1"/>
                 </a:solidFill>
@@ -7394,7 +7195,7 @@
               <a:t>페이스북</a:t>
             </a:r>
             <a:r>
-              <a:rPr lang="ko-KR" altLang="en-US" dirty="0" smtClean="0">
+              <a:rPr lang="ko-KR" altLang="en-US" dirty="0">
                 <a:solidFill>
                   <a:schemeClr val="bg1"/>
                 </a:solidFill>
@@ -7402,28 +7203,12 @@
               <a:t> </a:t>
             </a:r>
             <a:r>
-              <a:rPr lang="en-US" altLang="ko-KR" dirty="0" smtClean="0">
-                <a:solidFill>
-                  <a:schemeClr val="bg1"/>
-                </a:solidFill>
-              </a:rPr>
-              <a:t>( https</a:t>
-            </a:r>
-            <a:r>
-              <a:rPr lang="en-US" altLang="ko-KR" dirty="0" smtClean="0">
-                <a:solidFill>
-                  <a:schemeClr val="bg1"/>
-                </a:solidFill>
-              </a:rPr>
-              <a:t>://www.facebook.com </a:t>
-            </a:r>
-            <a:r>
-              <a:rPr lang="en-US" altLang="ko-KR" dirty="0" smtClean="0">
-                <a:solidFill>
-                  <a:schemeClr val="bg1"/>
-                </a:solidFill>
-              </a:rPr>
-              <a:t>)</a:t>
+              <a:rPr lang="en-US" altLang="ko-KR" dirty="0">
+                <a:solidFill>
+                  <a:schemeClr val="bg1"/>
+                </a:solidFill>
+              </a:rPr>
+              <a:t>( https://www.facebook.com )</a:t>
             </a:r>
             <a:endParaRPr lang="ko-KR" altLang="en-US" dirty="0">
               <a:solidFill>
@@ -7497,13 +7282,6 @@
   <p:clrMapOvr>
     <a:masterClrMapping/>
   </p:clrMapOvr>
-  <p:timing>
-    <p:tnLst>
-      <p:par>
-        <p:cTn id="1" dur="indefinite" restart="never" nodeType="tmRoot"/>
-      </p:par>
-    </p:tnLst>
-  </p:timing>
 </p:sld>
 </file>
 
@@ -7704,10 +7482,9 @@
           <a:p>
             <a:pPr algn="ctr"/>
             <a:r>
-              <a:rPr lang="ko-KR" altLang="en-US" sz="4000" dirty="0" smtClean="0"/>
+              <a:rPr lang="ko-KR" altLang="en-US" sz="4000" dirty="0"/>
               <a:t>벤치마킹</a:t>
             </a:r>
-            <a:endParaRPr lang="ko-KR" altLang="en-US" sz="4000" dirty="0"/>
           </a:p>
         </p:txBody>
       </p:sp>
@@ -7735,7 +7512,7 @@
           <a:p>
             <a:pPr algn="ctr"/>
             <a:r>
-              <a:rPr lang="ko-KR" altLang="en-US" dirty="0" err="1" smtClean="0">
+              <a:rPr lang="ko-KR" altLang="en-US" dirty="0" err="1">
                 <a:solidFill>
                   <a:schemeClr val="bg1"/>
                 </a:solidFill>
@@ -7743,7 +7520,7 @@
               <a:t>트렐로</a:t>
             </a:r>
             <a:r>
-              <a:rPr lang="ko-KR" altLang="en-US" dirty="0" smtClean="0">
+              <a:rPr lang="ko-KR" altLang="en-US" dirty="0">
                 <a:solidFill>
                   <a:schemeClr val="bg1"/>
                 </a:solidFill>
@@ -7751,44 +7528,12 @@
               <a:t> </a:t>
             </a:r>
             <a:r>
-              <a:rPr lang="en-US" altLang="ko-KR" dirty="0" smtClean="0">
-                <a:solidFill>
-                  <a:schemeClr val="bg1"/>
-                </a:solidFill>
-              </a:rPr>
-              <a:t>( https</a:t>
-            </a:r>
-            <a:r>
-              <a:rPr lang="en-US" altLang="ko-KR" dirty="0" smtClean="0">
-                <a:solidFill>
-                  <a:schemeClr val="bg1"/>
-                </a:solidFill>
-              </a:rPr>
-              <a:t>://</a:t>
-            </a:r>
-            <a:r>
-              <a:rPr lang="en-US" altLang="ko-KR" dirty="0" smtClean="0">
-                <a:solidFill>
-                  <a:schemeClr val="bg1"/>
-                </a:solidFill>
-              </a:rPr>
-              <a:t>trello</a:t>
-            </a:r>
-            <a:r>
-              <a:rPr lang="en-US" altLang="ko-KR" dirty="0" smtClean="0">
-                <a:solidFill>
-                  <a:schemeClr val="bg1"/>
-                </a:solidFill>
-              </a:rPr>
-              <a:t>.com </a:t>
-            </a:r>
-            <a:r>
-              <a:rPr lang="en-US" altLang="ko-KR" dirty="0" smtClean="0">
-                <a:solidFill>
-                  <a:schemeClr val="bg1"/>
-                </a:solidFill>
-              </a:rPr>
-              <a:t>)</a:t>
+              <a:rPr lang="en-US" altLang="ko-KR" dirty="0">
+                <a:solidFill>
+                  <a:schemeClr val="bg1"/>
+                </a:solidFill>
+              </a:rPr>
+              <a:t>( https://trello.com )</a:t>
             </a:r>
             <a:endParaRPr lang="ko-KR" altLang="en-US" dirty="0">
               <a:solidFill>
@@ -7862,13 +7607,6 @@
   <p:clrMapOvr>
     <a:masterClrMapping/>
   </p:clrMapOvr>
-  <p:timing>
-    <p:tnLst>
-      <p:par>
-        <p:cTn id="1" dur="indefinite" restart="never" nodeType="tmRoot"/>
-      </p:par>
-    </p:tnLst>
-  </p:timing>
 </p:sld>
 </file>
 
@@ -8073,7 +7811,7 @@
               </a:lnSpc>
             </a:pPr>
             <a:r>
-              <a:rPr lang="en-US" altLang="ko-KR" sz="4000" dirty="0" smtClean="0"/>
+              <a:rPr lang="en-US" altLang="ko-KR" sz="4000" dirty="0"/>
               <a:t>Part 3</a:t>
             </a:r>
           </a:p>
@@ -8084,18 +7822,17 @@
               </a:lnSpc>
             </a:pPr>
             <a:r>
-              <a:rPr lang="ko-KR" altLang="en-US" sz="4000" dirty="0" smtClean="0"/>
+              <a:rPr lang="ko-KR" altLang="en-US" sz="4000" dirty="0"/>
               <a:t>기능</a:t>
             </a:r>
             <a:r>
-              <a:rPr lang="en-US" altLang="ko-KR" sz="4000" dirty="0" smtClean="0"/>
+              <a:rPr lang="en-US" altLang="ko-KR" sz="4000" dirty="0"/>
               <a:t> </a:t>
             </a:r>
             <a:r>
-              <a:rPr lang="ko-KR" altLang="en-US" sz="4000" dirty="0" smtClean="0"/>
+              <a:rPr lang="ko-KR" altLang="en-US" sz="4000" dirty="0"/>
               <a:t>사항</a:t>
             </a:r>
-            <a:endParaRPr lang="ko-KR" altLang="en-US" sz="4000" dirty="0"/>
           </a:p>
         </p:txBody>
       </p:sp>
@@ -8109,13 +7846,6 @@
   <p:clrMapOvr>
     <a:masterClrMapping/>
   </p:clrMapOvr>
-  <p:timing>
-    <p:tnLst>
-      <p:par>
-        <p:cTn id="1" dur="indefinite" restart="never" nodeType="tmRoot"/>
-      </p:par>
-    </p:tnLst>
-  </p:timing>
 </p:sld>
 </file>
 

--- a/Documents/3조 GROUPPL 중간발표.pptx
+++ b/Documents/3조 GROUPPL 중간발표.pptx
@@ -18,7 +18,8 @@
     <p:sldId id="266" r:id="rId12"/>
     <p:sldId id="278" r:id="rId13"/>
     <p:sldId id="279" r:id="rId14"/>
-    <p:sldId id="269" r:id="rId15"/>
+    <p:sldId id="282" r:id="rId15"/>
+    <p:sldId id="269" r:id="rId16"/>
   </p:sldIdLst>
   <p:sldSz cx="9144000" cy="6858000" type="screen4x3"/>
   <p:notesSz cx="6858000" cy="9144000"/>
@@ -119,7 +120,7 @@
   </p:defaultTextStyle>
   <p:extLst>
     <p:ext uri="{EFAFB233-063F-42B5-8137-9DF3F51BA10A}">
-      <p15:sldGuideLst xmlns:p15="http://schemas.microsoft.com/office/powerpoint/2012/main">
+      <p15:sldGuideLst xmlns:p15="http://schemas.microsoft.com/office/powerpoint/2012/main" xmlns="">
         <p15:guide id="1" orient="horz" pos="2160">
           <p15:clr>
             <a:srgbClr val="A4A3A4"/>
@@ -315,7 +316,7 @@
           <a:p>
             <a:fld id="{0FC9DB99-05C8-401D-82A1-DDB8A907637B}" type="datetimeFigureOut">
               <a:rPr lang="ko-KR" altLang="en-US" smtClean="0"/>
-              <a:t>2017-02-09</a:t>
+              <a:t>2017-02-10</a:t>
             </a:fld>
             <a:endParaRPr lang="ko-KR" altLang="en-US"/>
           </a:p>
@@ -483,7 +484,7 @@
           <a:p>
             <a:fld id="{0FC9DB99-05C8-401D-82A1-DDB8A907637B}" type="datetimeFigureOut">
               <a:rPr lang="ko-KR" altLang="en-US" smtClean="0"/>
-              <a:t>2017-02-09</a:t>
+              <a:t>2017-02-10</a:t>
             </a:fld>
             <a:endParaRPr lang="ko-KR" altLang="en-US"/>
           </a:p>
@@ -661,7 +662,7 @@
           <a:p>
             <a:fld id="{0FC9DB99-05C8-401D-82A1-DDB8A907637B}" type="datetimeFigureOut">
               <a:rPr lang="ko-KR" altLang="en-US" smtClean="0"/>
-              <a:t>2017-02-09</a:t>
+              <a:t>2017-02-10</a:t>
             </a:fld>
             <a:endParaRPr lang="ko-KR" altLang="en-US"/>
           </a:p>
@@ -829,7 +830,7 @@
           <a:p>
             <a:fld id="{0FC9DB99-05C8-401D-82A1-DDB8A907637B}" type="datetimeFigureOut">
               <a:rPr lang="ko-KR" altLang="en-US" smtClean="0"/>
-              <a:t>2017-02-09</a:t>
+              <a:t>2017-02-10</a:t>
             </a:fld>
             <a:endParaRPr lang="ko-KR" altLang="en-US"/>
           </a:p>
@@ -1074,7 +1075,7 @@
           <a:p>
             <a:fld id="{0FC9DB99-05C8-401D-82A1-DDB8A907637B}" type="datetimeFigureOut">
               <a:rPr lang="ko-KR" altLang="en-US" smtClean="0"/>
-              <a:t>2017-02-09</a:t>
+              <a:t>2017-02-10</a:t>
             </a:fld>
             <a:endParaRPr lang="ko-KR" altLang="en-US"/>
           </a:p>
@@ -1359,7 +1360,7 @@
           <a:p>
             <a:fld id="{0FC9DB99-05C8-401D-82A1-DDB8A907637B}" type="datetimeFigureOut">
               <a:rPr lang="ko-KR" altLang="en-US" smtClean="0"/>
-              <a:t>2017-02-09</a:t>
+              <a:t>2017-02-10</a:t>
             </a:fld>
             <a:endParaRPr lang="ko-KR" altLang="en-US"/>
           </a:p>
@@ -1778,7 +1779,7 @@
           <a:p>
             <a:fld id="{0FC9DB99-05C8-401D-82A1-DDB8A907637B}" type="datetimeFigureOut">
               <a:rPr lang="ko-KR" altLang="en-US" smtClean="0"/>
-              <a:t>2017-02-09</a:t>
+              <a:t>2017-02-10</a:t>
             </a:fld>
             <a:endParaRPr lang="ko-KR" altLang="en-US"/>
           </a:p>
@@ -1895,7 +1896,7 @@
           <a:p>
             <a:fld id="{0FC9DB99-05C8-401D-82A1-DDB8A907637B}" type="datetimeFigureOut">
               <a:rPr lang="ko-KR" altLang="en-US" smtClean="0"/>
-              <a:t>2017-02-09</a:t>
+              <a:t>2017-02-10</a:t>
             </a:fld>
             <a:endParaRPr lang="ko-KR" altLang="en-US"/>
           </a:p>
@@ -1990,7 +1991,7 @@
           <a:p>
             <a:fld id="{0FC9DB99-05C8-401D-82A1-DDB8A907637B}" type="datetimeFigureOut">
               <a:rPr lang="ko-KR" altLang="en-US" smtClean="0"/>
-              <a:t>2017-02-09</a:t>
+              <a:t>2017-02-10</a:t>
             </a:fld>
             <a:endParaRPr lang="ko-KR" altLang="en-US"/>
           </a:p>
@@ -2265,7 +2266,7 @@
           <a:p>
             <a:fld id="{0FC9DB99-05C8-401D-82A1-DDB8A907637B}" type="datetimeFigureOut">
               <a:rPr lang="ko-KR" altLang="en-US" smtClean="0"/>
-              <a:t>2017-02-09</a:t>
+              <a:t>2017-02-10</a:t>
             </a:fld>
             <a:endParaRPr lang="ko-KR" altLang="en-US"/>
           </a:p>
@@ -2517,7 +2518,7 @@
           <a:p>
             <a:fld id="{0FC9DB99-05C8-401D-82A1-DDB8A907637B}" type="datetimeFigureOut">
               <a:rPr lang="ko-KR" altLang="en-US" smtClean="0"/>
-              <a:t>2017-02-09</a:t>
+              <a:t>2017-02-10</a:t>
             </a:fld>
             <a:endParaRPr lang="ko-KR" altLang="en-US"/>
           </a:p>
@@ -2728,7 +2729,7 @@
           <a:p>
             <a:fld id="{0FC9DB99-05C8-401D-82A1-DDB8A907637B}" type="datetimeFigureOut">
               <a:rPr lang="ko-KR" altLang="en-US" smtClean="0"/>
-              <a:t>2017-02-09</a:t>
+              <a:t>2017-02-10</a:t>
             </a:fld>
             <a:endParaRPr lang="ko-KR" altLang="en-US"/>
           </a:p>
@@ -5323,6 +5324,330 @@
       </p:sp>
       <p:sp>
         <p:nvSpPr>
+          <p:cNvPr id="7" name="직사각형 6"/>
+          <p:cNvSpPr/>
+          <p:nvPr/>
+        </p:nvSpPr>
+        <p:spPr>
+          <a:xfrm>
+            <a:off x="2051720" y="0"/>
+            <a:ext cx="5040560" cy="6849060"/>
+          </a:xfrm>
+          <a:prstGeom prst="rect">
+            <a:avLst/>
+          </a:prstGeom>
+          <a:solidFill>
+            <a:schemeClr val="tx1">
+              <a:alpha val="50000"/>
+            </a:schemeClr>
+          </a:solidFill>
+          <a:ln>
+            <a:noFill/>
+          </a:ln>
+        </p:spPr>
+        <p:style>
+          <a:lnRef idx="2">
+            <a:schemeClr val="accent1">
+              <a:shade val="50000"/>
+            </a:schemeClr>
+          </a:lnRef>
+          <a:fillRef idx="1">
+            <a:schemeClr val="accent1"/>
+          </a:fillRef>
+          <a:effectRef idx="0">
+            <a:schemeClr val="accent1"/>
+          </a:effectRef>
+          <a:fontRef idx="minor">
+            <a:schemeClr val="lt1"/>
+          </a:fontRef>
+        </p:style>
+        <p:txBody>
+          <a:bodyPr rtlCol="0" anchor="ctr"/>
+          <a:lstStyle/>
+          <a:p>
+            <a:pPr algn="ctr"/>
+            <a:endParaRPr lang="ko-KR" altLang="en-US"/>
+          </a:p>
+        </p:txBody>
+      </p:sp>
+      <p:sp>
+        <p:nvSpPr>
+          <p:cNvPr id="6" name="직사각형 5"/>
+          <p:cNvSpPr/>
+          <p:nvPr/>
+        </p:nvSpPr>
+        <p:spPr>
+          <a:xfrm>
+            <a:off x="2591780" y="548680"/>
+            <a:ext cx="3960440" cy="1008112"/>
+          </a:xfrm>
+          <a:prstGeom prst="rect">
+            <a:avLst/>
+          </a:prstGeom>
+          <a:noFill/>
+          <a:ln>
+            <a:solidFill>
+              <a:schemeClr val="bg1"/>
+            </a:solidFill>
+          </a:ln>
+        </p:spPr>
+        <p:style>
+          <a:lnRef idx="2">
+            <a:schemeClr val="accent1">
+              <a:shade val="50000"/>
+            </a:schemeClr>
+          </a:lnRef>
+          <a:fillRef idx="1">
+            <a:schemeClr val="accent1"/>
+          </a:fillRef>
+          <a:effectRef idx="0">
+            <a:schemeClr val="accent1"/>
+          </a:effectRef>
+          <a:fontRef idx="minor">
+            <a:schemeClr val="lt1"/>
+          </a:fontRef>
+        </p:style>
+        <p:txBody>
+          <a:bodyPr rtlCol="0" anchor="ctr"/>
+          <a:lstStyle/>
+          <a:p>
+            <a:pPr algn="ctr"/>
+            <a:r>
+              <a:rPr lang="ko-KR" altLang="en-US" sz="4000" dirty="0"/>
+              <a:t>기능 사항</a:t>
+            </a:r>
+          </a:p>
+        </p:txBody>
+      </p:sp>
+      <p:pic>
+        <p:nvPicPr>
+          <p:cNvPr id="3" name="Picture 2"/>
+          <p:cNvPicPr>
+            <a:picLocks noChangeAspect="1" noChangeArrowheads="1"/>
+          </p:cNvPicPr>
+          <p:nvPr/>
+        </p:nvPicPr>
+        <p:blipFill>
+          <a:blip r:embed="rId3">
+            <a:extLst>
+              <a:ext uri="{28A0092B-C50C-407E-A947-70E740481C1C}">
+                <a14:useLocalDpi xmlns:a14="http://schemas.microsoft.com/office/drawing/2010/main" val="0"/>
+              </a:ext>
+            </a:extLst>
+          </a:blip>
+          <a:srcRect/>
+          <a:stretch>
+            <a:fillRect/>
+          </a:stretch>
+        </p:blipFill>
+        <p:spPr bwMode="auto">
+          <a:xfrm>
+            <a:off x="1" y="2695042"/>
+            <a:ext cx="9143999" cy="4190342"/>
+          </a:xfrm>
+          <a:prstGeom prst="rect">
+            <a:avLst/>
+          </a:prstGeom>
+          <a:noFill/>
+          <a:ln>
+            <a:noFill/>
+          </a:ln>
+          <a:extLst>
+            <a:ext uri="{909E8E84-426E-40DD-AFC4-6F175D3DCCD1}">
+              <a14:hiddenFill xmlns:a14="http://schemas.microsoft.com/office/drawing/2010/main">
+                <a:solidFill>
+                  <a:schemeClr val="accent1"/>
+                </a:solidFill>
+              </a14:hiddenFill>
+            </a:ext>
+            <a:ext uri="{91240B29-F687-4F45-9708-019B960494DF}">
+              <a14:hiddenLine xmlns:a14="http://schemas.microsoft.com/office/drawing/2010/main" w="9525">
+                <a:solidFill>
+                  <a:schemeClr val="tx1"/>
+                </a:solidFill>
+                <a:miter lim="800000"/>
+                <a:headEnd/>
+                <a:tailEnd/>
+              </a14:hiddenLine>
+            </a:ext>
+          </a:extLst>
+        </p:spPr>
+      </p:pic>
+      <p:sp>
+        <p:nvSpPr>
+          <p:cNvPr id="8" name="직사각형 7"/>
+          <p:cNvSpPr/>
+          <p:nvPr/>
+        </p:nvSpPr>
+        <p:spPr>
+          <a:xfrm>
+            <a:off x="2983111" y="1700808"/>
+            <a:ext cx="3147491" cy="827772"/>
+          </a:xfrm>
+          <a:prstGeom prst="rect">
+            <a:avLst/>
+          </a:prstGeom>
+          <a:noFill/>
+          <a:ln>
+            <a:solidFill>
+              <a:schemeClr val="bg1"/>
+            </a:solidFill>
+          </a:ln>
+        </p:spPr>
+        <p:style>
+          <a:lnRef idx="2">
+            <a:schemeClr val="accent1">
+              <a:shade val="50000"/>
+            </a:schemeClr>
+          </a:lnRef>
+          <a:fillRef idx="1">
+            <a:schemeClr val="accent1"/>
+          </a:fillRef>
+          <a:effectRef idx="0">
+            <a:schemeClr val="accent1"/>
+          </a:effectRef>
+          <a:fontRef idx="minor">
+            <a:schemeClr val="lt1"/>
+          </a:fontRef>
+        </p:style>
+        <p:txBody>
+          <a:bodyPr rtlCol="0" anchor="ctr"/>
+          <a:lstStyle/>
+          <a:p>
+            <a:pPr algn="ctr"/>
+            <a:r>
+              <a:rPr lang="en-US" altLang="ko-KR" sz="4000" dirty="0" smtClean="0"/>
+              <a:t>DB </a:t>
+            </a:r>
+            <a:r>
+              <a:rPr lang="ko-KR" altLang="en-US" sz="4000" dirty="0" smtClean="0"/>
+              <a:t>설계</a:t>
+            </a:r>
+            <a:endParaRPr lang="ko-KR" altLang="en-US" sz="4000" dirty="0"/>
+          </a:p>
+        </p:txBody>
+      </p:sp>
+    </p:spTree>
+    <p:extLst>
+      <p:ext uri="{BB962C8B-B14F-4D97-AF65-F5344CB8AC3E}">
+        <p14:creationId xmlns:p14="http://schemas.microsoft.com/office/powerpoint/2010/main" val="3973810646"/>
+      </p:ext>
+    </p:extLst>
+  </p:cSld>
+  <p:clrMapOvr>
+    <a:masterClrMapping/>
+  </p:clrMapOvr>
+</p:sld>
+</file>
+
+<file path=ppt/slides/slide15.xml><?xml version="1.0" encoding="utf-8"?>
+<p:sld xmlns:a="http://schemas.openxmlformats.org/drawingml/2006/main" xmlns:r="http://schemas.openxmlformats.org/officeDocument/2006/relationships" xmlns:p="http://schemas.openxmlformats.org/presentationml/2006/main">
+  <p:cSld>
+    <p:spTree>
+      <p:nvGrpSpPr>
+        <p:cNvPr id="1" name=""/>
+        <p:cNvGrpSpPr/>
+        <p:nvPr/>
+      </p:nvGrpSpPr>
+      <p:grpSpPr>
+        <a:xfrm>
+          <a:off x="0" y="0"/>
+          <a:ext cx="0" cy="0"/>
+          <a:chOff x="0" y="0"/>
+          <a:chExt cx="0" cy="0"/>
+        </a:xfrm>
+      </p:grpSpPr>
+      <p:pic>
+        <p:nvPicPr>
+          <p:cNvPr id="1026" name="Picture 2" descr="http://blog.wishket.com/wp-content/uploads/2015/07/150714_wishket_FG_image11.jpg"/>
+          <p:cNvPicPr>
+            <a:picLocks noChangeAspect="1" noChangeArrowheads="1"/>
+          </p:cNvPicPr>
+          <p:nvPr/>
+        </p:nvPicPr>
+        <p:blipFill>
+          <a:blip r:embed="rId2">
+            <a:extLst>
+              <a:ext uri="{28A0092B-C50C-407E-A947-70E740481C1C}">
+                <a14:useLocalDpi xmlns:a14="http://schemas.microsoft.com/office/drawing/2010/main" val="0"/>
+              </a:ext>
+            </a:extLst>
+          </a:blip>
+          <a:srcRect/>
+          <a:stretch>
+            <a:fillRect/>
+          </a:stretch>
+        </p:blipFill>
+        <p:spPr bwMode="auto">
+          <a:xfrm>
+            <a:off x="0" y="0"/>
+            <a:ext cx="9144000" cy="6849060"/>
+          </a:xfrm>
+          <a:prstGeom prst="rect">
+            <a:avLst/>
+          </a:prstGeom>
+          <a:noFill/>
+          <a:extLst>
+            <a:ext uri="{909E8E84-426E-40DD-AFC4-6F175D3DCCD1}">
+              <a14:hiddenFill xmlns:a14="http://schemas.microsoft.com/office/drawing/2010/main">
+                <a:solidFill>
+                  <a:srgbClr val="FFFFFF"/>
+                </a:solidFill>
+              </a14:hiddenFill>
+            </a:ext>
+          </a:extLst>
+        </p:spPr>
+      </p:pic>
+      <p:sp>
+        <p:nvSpPr>
+          <p:cNvPr id="4" name="직사각형 3"/>
+          <p:cNvSpPr/>
+          <p:nvPr/>
+        </p:nvSpPr>
+        <p:spPr>
+          <a:xfrm>
+            <a:off x="0" y="0"/>
+            <a:ext cx="9144000" cy="6858000"/>
+          </a:xfrm>
+          <a:prstGeom prst="rect">
+            <a:avLst/>
+          </a:prstGeom>
+          <a:solidFill>
+            <a:schemeClr val="tx1">
+              <a:alpha val="65000"/>
+            </a:schemeClr>
+          </a:solidFill>
+          <a:ln>
+            <a:noFill/>
+          </a:ln>
+        </p:spPr>
+        <p:style>
+          <a:lnRef idx="2">
+            <a:schemeClr val="accent1">
+              <a:shade val="50000"/>
+            </a:schemeClr>
+          </a:lnRef>
+          <a:fillRef idx="1">
+            <a:schemeClr val="accent1"/>
+          </a:fillRef>
+          <a:effectRef idx="0">
+            <a:schemeClr val="accent1"/>
+          </a:effectRef>
+          <a:fontRef idx="minor">
+            <a:schemeClr val="lt1"/>
+          </a:fontRef>
+        </p:style>
+        <p:txBody>
+          <a:bodyPr rtlCol="0" anchor="ctr"/>
+          <a:lstStyle/>
+          <a:p>
+            <a:pPr algn="ctr"/>
+            <a:endParaRPr lang="ko-KR" altLang="en-US"/>
+          </a:p>
+        </p:txBody>
+      </p:sp>
+      <p:sp>
+        <p:nvSpPr>
           <p:cNvPr id="5" name="직사각형 4"/>
           <p:cNvSpPr/>
           <p:nvPr/>
